--- a/Example/Корпоративная_презентация_для_дипломного_проекта_2024.pptx
+++ b/Example/Корпоративная_презентация_для_дипломного_проекта_2024.pptx
@@ -6,13 +6,19 @@
   </p:sldMasterIdLst>
   <p:sldIdLst>
     <p:sldId id="256" r:id="rId2"/>
-    <p:sldId id="258" r:id="rId3"/>
-    <p:sldId id="261" r:id="rId4"/>
-    <p:sldId id="262" r:id="rId5"/>
-    <p:sldId id="263" r:id="rId6"/>
-    <p:sldId id="264" r:id="rId7"/>
-    <p:sldId id="265" r:id="rId8"/>
-    <p:sldId id="266" r:id="rId9"/>
+    <p:sldId id="262" r:id="rId3"/>
+    <p:sldId id="263" r:id="rId4"/>
+    <p:sldId id="264" r:id="rId5"/>
+    <p:sldId id="267" r:id="rId6"/>
+    <p:sldId id="268" r:id="rId7"/>
+    <p:sldId id="269" r:id="rId8"/>
+    <p:sldId id="270" r:id="rId9"/>
+    <p:sldId id="271" r:id="rId10"/>
+    <p:sldId id="272" r:id="rId11"/>
+    <p:sldId id="273" r:id="rId12"/>
+    <p:sldId id="261" r:id="rId13"/>
+    <p:sldId id="265" r:id="rId14"/>
+    <p:sldId id="266" r:id="rId15"/>
   </p:sldIdLst>
   <p:sldSz cx="12192000" cy="6858000"/>
   <p:notesSz cx="6858000" cy="9144000"/>
@@ -194,10 +200,9 @@
           </a:lstStyle>
           <a:p>
             <a:r>
-              <a:rPr lang="ru-RU" dirty="0" smtClean="0"/>
+              <a:rPr lang="ru-RU" dirty="0"/>
               <a:t>«ТЕМА ДИПЛОМНОГО ПРОЕКТА»</a:t>
             </a:r>
-            <a:endParaRPr lang="ru-RU" dirty="0"/>
           </a:p>
         </p:txBody>
       </p:sp>
@@ -270,7 +275,7 @@
               <a:defRPr/>
             </a:pPr>
             <a:r>
-              <a:rPr lang="ru-RU" sz="1600" dirty="0" smtClean="0">
+              <a:rPr lang="ru-RU" sz="1600" dirty="0">
                 <a:solidFill>
                   <a:srgbClr val="002060"/>
                 </a:solidFill>
@@ -317,7 +322,7 @@
           <a:p>
             <a:pPr lvl="0"/>
             <a:r>
-              <a:rPr lang="ru-RU" dirty="0" smtClean="0"/>
+              <a:rPr lang="ru-RU" dirty="0"/>
               <a:t>ИВАНОВ ИВАН ИВАНОВИЧ</a:t>
             </a:r>
           </a:p>
@@ -346,7 +351,7 @@
           <a:p>
             <a:pPr lvl="0" algn="l"/>
             <a:r>
-              <a:rPr lang="ru-RU" sz="1800" dirty="0" smtClean="0">
+              <a:rPr lang="ru-RU" sz="1800" dirty="0">
                 <a:solidFill>
                   <a:srgbClr val="002060"/>
                 </a:solidFill>
@@ -356,7 +361,7 @@
               <a:t>ДИПЛОМНЫЙ</a:t>
             </a:r>
             <a:r>
-              <a:rPr lang="ru-RU" sz="1800" baseline="0" dirty="0" smtClean="0">
+              <a:rPr lang="ru-RU" sz="1800" baseline="0" dirty="0">
                 <a:solidFill>
                   <a:srgbClr val="002060"/>
                 </a:solidFill>
@@ -365,7 +370,7 @@
               </a:rPr>
               <a:t> ПРОЕКТ</a:t>
             </a:r>
-            <a:endParaRPr lang="ru-RU" sz="1800" dirty="0" smtClean="0">
+            <a:endParaRPr lang="ru-RU" sz="1800" dirty="0">
               <a:solidFill>
                 <a:srgbClr val="002060"/>
               </a:solidFill>
@@ -398,7 +403,7 @@
           <a:p>
             <a:pPr lvl="0" algn="l"/>
             <a:r>
-              <a:rPr lang="ru-RU" sz="1600" dirty="0" smtClean="0">
+              <a:rPr lang="ru-RU" sz="1600" dirty="0">
                 <a:solidFill>
                   <a:srgbClr val="002060"/>
                 </a:solidFill>
@@ -407,13 +412,6 @@
               </a:rPr>
               <a:t>НА ТЕМУ</a:t>
             </a:r>
-            <a:endParaRPr lang="ru-RU" sz="1600" dirty="0">
-              <a:solidFill>
-                <a:srgbClr val="002060"/>
-              </a:solidFill>
-              <a:latin typeface="Arial" panose="020B0604020202020204" pitchFamily="34" charset="0"/>
-              <a:cs typeface="Arial" panose="020B0604020202020204" pitchFamily="34" charset="0"/>
-            </a:endParaRPr>
           </a:p>
         </p:txBody>
       </p:sp>
@@ -458,10 +456,9 @@
           <a:p>
             <a:pPr lvl="0"/>
             <a:r>
-              <a:rPr lang="ru-RU" dirty="0" smtClean="0"/>
+              <a:rPr lang="ru-RU" dirty="0"/>
               <a:t>Н1812</a:t>
             </a:r>
-            <a:endParaRPr lang="ru-RU" dirty="0"/>
           </a:p>
         </p:txBody>
       </p:sp>
@@ -499,10 +496,9 @@
           </a:lstStyle>
           <a:p>
             <a:r>
-              <a:rPr lang="ru-RU" dirty="0" smtClean="0"/>
+              <a:rPr lang="ru-RU" dirty="0"/>
               <a:t>МОСКВА 2023</a:t>
             </a:r>
-            <a:endParaRPr lang="ru-RU" dirty="0"/>
           </a:p>
         </p:txBody>
       </p:sp>
@@ -533,7 +529,7 @@
               </a:lnSpc>
             </a:pPr>
             <a:r>
-              <a:rPr lang="ru-RU" sz="1600" dirty="0" smtClean="0">
+              <a:rPr lang="ru-RU" sz="1600" dirty="0">
                 <a:solidFill>
                   <a:srgbClr val="002060"/>
                 </a:solidFill>
@@ -550,7 +546,7 @@
               </a:lnSpc>
             </a:pPr>
             <a:r>
-              <a:rPr lang="ru-RU" sz="1600" dirty="0" smtClean="0">
+              <a:rPr lang="ru-RU" sz="1600" dirty="0">
                 <a:solidFill>
                   <a:srgbClr val="002060"/>
                 </a:solidFill>
@@ -559,13 +555,6 @@
               </a:rPr>
               <a:t>КОНСУЛЬТАНТ ПО ЭКОНОМИЧЕСКОЙ ЧАСТИ:</a:t>
             </a:r>
-            <a:endParaRPr lang="ru-RU" sz="1600" dirty="0">
-              <a:solidFill>
-                <a:srgbClr val="002060"/>
-              </a:solidFill>
-              <a:latin typeface="Arial" panose="020B0604020202020204" pitchFamily="34" charset="0"/>
-              <a:cs typeface="Arial" panose="020B0604020202020204" pitchFamily="34" charset="0"/>
-            </a:endParaRPr>
           </a:p>
         </p:txBody>
       </p:sp>
@@ -607,7 +596,7 @@
           <a:p>
             <a:pPr lvl="0"/>
             <a:r>
-              <a:rPr lang="ru-RU" dirty="0" smtClean="0"/>
+              <a:rPr lang="ru-RU" dirty="0"/>
               <a:t>САМОСАДКО А. О.</a:t>
             </a:r>
           </a:p>
@@ -651,7 +640,7 @@
           <a:p>
             <a:pPr lvl="0"/>
             <a:r>
-              <a:rPr lang="ru-RU" dirty="0" smtClean="0"/>
+              <a:rPr lang="ru-RU" dirty="0"/>
               <a:t>НОСАЧЕНКО Е. А.</a:t>
             </a:r>
           </a:p>
@@ -680,7 +669,7 @@
           <a:p>
             <a:pPr marL="0" lvl="0" algn="ctr" defTabSz="914400" rtl="0" eaLnBrk="1" latinLnBrk="0" hangingPunct="1"/>
             <a:r>
-              <a:rPr lang="ru-RU" sz="1200" kern="1200" dirty="0" smtClean="0">
+              <a:rPr lang="ru-RU" sz="1200" kern="1200" dirty="0">
                 <a:solidFill>
                   <a:srgbClr val="002060"/>
                 </a:solidFill>
@@ -694,7 +683,7 @@
           <a:p>
             <a:pPr algn="ctr"/>
             <a:r>
-              <a:rPr lang="ru-RU" sz="1200" kern="1200" dirty="0" smtClean="0">
+              <a:rPr lang="ru-RU" sz="1200" kern="1200" dirty="0">
                 <a:solidFill>
                   <a:srgbClr val="002060"/>
                 </a:solidFill>
@@ -708,7 +697,7 @@
           <a:p>
             <a:pPr algn="ctr"/>
             <a:r>
-              <a:rPr lang="ru-RU" sz="1200" kern="1200" dirty="0" smtClean="0">
+              <a:rPr lang="ru-RU" sz="1200" kern="1200" dirty="0">
                 <a:solidFill>
                   <a:srgbClr val="002060"/>
                 </a:solidFill>
@@ -828,10 +817,9 @@
           </a:lstStyle>
           <a:p>
             <a:r>
-              <a:rPr lang="ru-RU" dirty="0" smtClean="0"/>
+              <a:rPr lang="ru-RU" dirty="0"/>
               <a:t>«ТЕМА ДИПЛОМНОГО ПРОЕКТА»</a:t>
             </a:r>
-            <a:endParaRPr lang="ru-RU" dirty="0"/>
           </a:p>
         </p:txBody>
       </p:sp>
@@ -875,7 +863,7 @@
               <a:defRPr/>
             </a:pPr>
             <a:r>
-              <a:rPr lang="ru-RU" sz="1600" dirty="0" smtClean="0">
+              <a:rPr lang="ru-RU" sz="1600" dirty="0">
                 <a:solidFill>
                   <a:srgbClr val="002060"/>
                 </a:solidFill>
@@ -922,7 +910,7 @@
           <a:p>
             <a:pPr lvl="0"/>
             <a:r>
-              <a:rPr lang="ru-RU" dirty="0" smtClean="0"/>
+              <a:rPr lang="ru-RU" dirty="0"/>
               <a:t>ИВАНОВ ИВАН ИВАНОВИЧ</a:t>
             </a:r>
           </a:p>
@@ -951,7 +939,7 @@
           <a:p>
             <a:pPr lvl="0" algn="l"/>
             <a:r>
-              <a:rPr lang="ru-RU" sz="1800" dirty="0" smtClean="0">
+              <a:rPr lang="ru-RU" sz="1800" dirty="0">
                 <a:solidFill>
                   <a:srgbClr val="002060"/>
                 </a:solidFill>
@@ -986,7 +974,7 @@
           <a:p>
             <a:pPr lvl="0" algn="l"/>
             <a:r>
-              <a:rPr lang="ru-RU" sz="1600" dirty="0" smtClean="0">
+              <a:rPr lang="ru-RU" sz="1600" dirty="0">
                 <a:solidFill>
                   <a:srgbClr val="002060"/>
                 </a:solidFill>
@@ -995,13 +983,6 @@
               </a:rPr>
               <a:t>НА ТЕМУ</a:t>
             </a:r>
-            <a:endParaRPr lang="ru-RU" sz="1600" dirty="0">
-              <a:solidFill>
-                <a:srgbClr val="002060"/>
-              </a:solidFill>
-              <a:latin typeface="Arial" panose="020B0604020202020204" pitchFamily="34" charset="0"/>
-              <a:cs typeface="Arial" panose="020B0604020202020204" pitchFamily="34" charset="0"/>
-            </a:endParaRPr>
           </a:p>
         </p:txBody>
       </p:sp>
@@ -1046,10 +1027,9 @@
           <a:p>
             <a:pPr lvl="0"/>
             <a:r>
-              <a:rPr lang="ru-RU" dirty="0" smtClean="0"/>
+              <a:rPr lang="ru-RU" dirty="0"/>
               <a:t>Н1812</a:t>
             </a:r>
-            <a:endParaRPr lang="ru-RU" dirty="0"/>
           </a:p>
         </p:txBody>
       </p:sp>
@@ -1087,10 +1067,9 @@
           </a:lstStyle>
           <a:p>
             <a:r>
-              <a:rPr lang="ru-RU" dirty="0" smtClean="0"/>
+              <a:rPr lang="ru-RU" dirty="0"/>
               <a:t>МОСКВА 2023</a:t>
             </a:r>
-            <a:endParaRPr lang="ru-RU" dirty="0"/>
           </a:p>
         </p:txBody>
       </p:sp>
@@ -1121,7 +1100,7 @@
               </a:lnSpc>
             </a:pPr>
             <a:r>
-              <a:rPr lang="ru-RU" sz="1600" dirty="0" smtClean="0">
+              <a:rPr lang="ru-RU" sz="1600" dirty="0">
                 <a:solidFill>
                   <a:srgbClr val="002060"/>
                 </a:solidFill>
@@ -1131,7 +1110,7 @@
               <a:t>РУКОВОДИТЕЛЬ</a:t>
             </a:r>
             <a:r>
-              <a:rPr lang="ru-RU" sz="1600" baseline="0" dirty="0" smtClean="0">
+              <a:rPr lang="ru-RU" sz="1600" baseline="0" dirty="0">
                 <a:solidFill>
                   <a:srgbClr val="002060"/>
                 </a:solidFill>
@@ -1141,7 +1120,7 @@
               <a:t> ДИПЛОМНОГО ПРОЕКТА</a:t>
             </a:r>
             <a:r>
-              <a:rPr lang="ru-RU" sz="1600" dirty="0" smtClean="0">
+              <a:rPr lang="ru-RU" sz="1600" dirty="0">
                 <a:solidFill>
                   <a:srgbClr val="002060"/>
                 </a:solidFill>
@@ -1158,7 +1137,7 @@
               </a:lnSpc>
             </a:pPr>
             <a:r>
-              <a:rPr lang="ru-RU" sz="1600" dirty="0" smtClean="0">
+              <a:rPr lang="ru-RU" sz="1600" dirty="0">
                 <a:solidFill>
                   <a:srgbClr val="002060"/>
                 </a:solidFill>
@@ -1167,13 +1146,6 @@
               </a:rPr>
               <a:t>КОНСУЛЬТАНТ ПО ЭКОНОМИЧЕСКОЙ ЧАСТИ:</a:t>
             </a:r>
-            <a:endParaRPr lang="ru-RU" sz="1600" dirty="0">
-              <a:solidFill>
-                <a:srgbClr val="002060"/>
-              </a:solidFill>
-              <a:latin typeface="Arial" panose="020B0604020202020204" pitchFamily="34" charset="0"/>
-              <a:cs typeface="Arial" panose="020B0604020202020204" pitchFamily="34" charset="0"/>
-            </a:endParaRPr>
           </a:p>
         </p:txBody>
       </p:sp>
@@ -1215,7 +1187,7 @@
           <a:p>
             <a:pPr lvl="0"/>
             <a:r>
-              <a:rPr lang="ru-RU" dirty="0" smtClean="0"/>
+              <a:rPr lang="ru-RU" dirty="0"/>
               <a:t>САМОСАДКО А. О.</a:t>
             </a:r>
           </a:p>
@@ -1259,7 +1231,7 @@
           <a:p>
             <a:pPr lvl="0"/>
             <a:r>
-              <a:rPr lang="ru-RU" dirty="0" smtClean="0"/>
+              <a:rPr lang="ru-RU" dirty="0"/>
               <a:t>НОСАЧЕНКО Е. А.</a:t>
             </a:r>
           </a:p>
@@ -1288,7 +1260,7 @@
           <a:p>
             <a:pPr marL="0" lvl="0" algn="ctr" defTabSz="914400" rtl="0" eaLnBrk="1" latinLnBrk="0" hangingPunct="1"/>
             <a:r>
-              <a:rPr lang="ru-RU" sz="1200" kern="1200" dirty="0" smtClean="0">
+              <a:rPr lang="ru-RU" sz="1200" kern="1200" dirty="0">
                 <a:solidFill>
                   <a:srgbClr val="002060"/>
                 </a:solidFill>
@@ -1302,7 +1274,7 @@
           <a:p>
             <a:pPr algn="ctr"/>
             <a:r>
-              <a:rPr lang="ru-RU" sz="1200" kern="1200" dirty="0" smtClean="0">
+              <a:rPr lang="ru-RU" sz="1200" kern="1200" dirty="0">
                 <a:solidFill>
                   <a:srgbClr val="002060"/>
                 </a:solidFill>
@@ -1316,7 +1288,7 @@
           <a:p>
             <a:pPr algn="ctr"/>
             <a:r>
-              <a:rPr lang="ru-RU" sz="1200" kern="1200" dirty="0" smtClean="0">
+              <a:rPr lang="ru-RU" sz="1200" kern="1200" dirty="0">
                 <a:solidFill>
                   <a:srgbClr val="002060"/>
                 </a:solidFill>
@@ -1460,7 +1432,7 @@
           </a:lstStyle>
           <a:p>
             <a:r>
-              <a:rPr lang="ru-RU" dirty="0" smtClean="0"/>
+              <a:rPr lang="ru-RU" dirty="0"/>
               <a:t>ЗАГОЛОВОК ПОДРАЗДЕЛА</a:t>
             </a:r>
           </a:p>
@@ -1576,7 +1548,7 @@
           <a:p>
             <a:pPr lvl="0"/>
             <a:r>
-              <a:rPr lang="ru-RU" dirty="0" smtClean="0"/>
+              <a:rPr lang="ru-RU" dirty="0"/>
               <a:t>Подзаголовок</a:t>
             </a:r>
           </a:p>
@@ -1713,10 +1685,9 @@
           </a:lstStyle>
           <a:p>
             <a:r>
-              <a:rPr lang="ru-RU" dirty="0" smtClean="0"/>
+              <a:rPr lang="ru-RU" dirty="0"/>
               <a:t>Заголовок</a:t>
             </a:r>
-            <a:endParaRPr lang="ru-RU" dirty="0"/>
           </a:p>
         </p:txBody>
       </p:sp>
@@ -1783,7 +1754,7 @@
           <a:p>
             <a:pPr lvl="0"/>
             <a:r>
-              <a:rPr lang="ru-RU" dirty="0" smtClean="0"/>
+              <a:rPr lang="ru-RU" dirty="0"/>
               <a:t>Подзаголовок</a:t>
             </a:r>
           </a:p>
@@ -1872,7 +1843,7 @@
           <a:p>
             <a:pPr lvl="0"/>
             <a:r>
-              <a:rPr lang="ru-RU" dirty="0" smtClean="0"/>
+              <a:rPr lang="ru-RU" dirty="0"/>
               <a:t>Образец текста</a:t>
             </a:r>
           </a:p>
@@ -2009,10 +1980,9 @@
           </a:lstStyle>
           <a:p>
             <a:r>
-              <a:rPr lang="ru-RU" dirty="0" smtClean="0"/>
+              <a:rPr lang="ru-RU" dirty="0"/>
               <a:t>Заголовок</a:t>
             </a:r>
-            <a:endParaRPr lang="ru-RU" dirty="0"/>
           </a:p>
         </p:txBody>
       </p:sp>
@@ -2079,7 +2049,7 @@
           <a:p>
             <a:pPr lvl="0"/>
             <a:r>
-              <a:rPr lang="ru-RU" dirty="0" smtClean="0"/>
+              <a:rPr lang="ru-RU" dirty="0"/>
               <a:t>Подзаголовок</a:t>
             </a:r>
           </a:p>
@@ -2168,7 +2138,7 @@
           <a:p>
             <a:pPr lvl="0"/>
             <a:r>
-              <a:rPr lang="ru-RU" dirty="0" smtClean="0"/>
+              <a:rPr lang="ru-RU" dirty="0"/>
               <a:t>Кликните для вставки таблицы, диаграммы, схемы, видео, фото, рисунок.</a:t>
             </a:r>
           </a:p>
@@ -2207,7 +2177,7 @@
           <a:p>
             <a:pPr lvl="0"/>
             <a:r>
-              <a:rPr lang="ru-RU" dirty="0" smtClean="0"/>
+              <a:rPr lang="ru-RU" dirty="0"/>
               <a:t>Образец подзаголовок</a:t>
             </a:r>
           </a:p>
@@ -2344,10 +2314,9 @@
           </a:lstStyle>
           <a:p>
             <a:r>
-              <a:rPr lang="ru-RU" dirty="0" smtClean="0"/>
+              <a:rPr lang="ru-RU" dirty="0"/>
               <a:t>Заголовок</a:t>
             </a:r>
-            <a:endParaRPr lang="ru-RU" dirty="0"/>
           </a:p>
         </p:txBody>
       </p:sp>
@@ -2466,7 +2435,7 @@
           <a:p>
             <a:pPr lvl="0"/>
             <a:r>
-              <a:rPr lang="ru-RU" dirty="0" smtClean="0"/>
+              <a:rPr lang="ru-RU" dirty="0"/>
               <a:t>Кликните чтобы вставить фото</a:t>
             </a:r>
           </a:p>
@@ -2509,7 +2478,7 @@
           <a:p>
             <a:pPr lvl="0"/>
             <a:r>
-              <a:rPr lang="ru-RU" dirty="0" smtClean="0"/>
+              <a:rPr lang="ru-RU" dirty="0"/>
               <a:t>Кликните чтобы вставить фото</a:t>
             </a:r>
           </a:p>
@@ -2548,7 +2517,7 @@
           <a:p>
             <a:pPr lvl="0"/>
             <a:r>
-              <a:rPr lang="ru-RU" dirty="0" smtClean="0"/>
+              <a:rPr lang="ru-RU" dirty="0"/>
               <a:t>Подзаголовок</a:t>
             </a:r>
           </a:p>
@@ -2685,10 +2654,9 @@
           </a:lstStyle>
           <a:p>
             <a:r>
-              <a:rPr lang="ru-RU" dirty="0" smtClean="0"/>
+              <a:rPr lang="ru-RU" dirty="0"/>
               <a:t>Заголовок</a:t>
             </a:r>
-            <a:endParaRPr lang="ru-RU" dirty="0"/>
           </a:p>
         </p:txBody>
       </p:sp>
@@ -2805,7 +2773,7 @@
           <a:p>
             <a:pPr lvl="0"/>
             <a:r>
-              <a:rPr lang="ru-RU" dirty="0" smtClean="0"/>
+              <a:rPr lang="ru-RU" dirty="0"/>
               <a:t>Вставьте текст</a:t>
             </a:r>
           </a:p>
@@ -2990,10 +2958,9 @@
           </a:lstStyle>
           <a:p>
             <a:r>
-              <a:rPr lang="ru-RU" dirty="0" smtClean="0"/>
+              <a:rPr lang="ru-RU" dirty="0"/>
               <a:t>Заголовок</a:t>
             </a:r>
-            <a:endParaRPr lang="ru-RU" dirty="0"/>
           </a:p>
         </p:txBody>
       </p:sp>
@@ -3067,7 +3034,7 @@
           <a:p>
             <a:pPr lvl="0"/>
             <a:r>
-              <a:rPr lang="ru-RU" dirty="0" smtClean="0"/>
+              <a:rPr lang="ru-RU" dirty="0"/>
               <a:t>Кликните чтобы вставить фото</a:t>
             </a:r>
           </a:p>
@@ -3111,7 +3078,7 @@
           <a:p>
             <a:pPr lvl="0"/>
             <a:r>
-              <a:rPr lang="ru-RU" dirty="0" smtClean="0"/>
+              <a:rPr lang="ru-RU" dirty="0"/>
               <a:t>Вставьте текст</a:t>
             </a:r>
           </a:p>
@@ -3296,10 +3263,9 @@
           </a:lstStyle>
           <a:p>
             <a:r>
-              <a:rPr lang="ru-RU" dirty="0" smtClean="0"/>
+              <a:rPr lang="ru-RU" dirty="0"/>
               <a:t>Заголовок</a:t>
             </a:r>
-            <a:endParaRPr lang="ru-RU" dirty="0"/>
           </a:p>
         </p:txBody>
       </p:sp>
@@ -3373,7 +3339,7 @@
           <a:p>
             <a:pPr lvl="0"/>
             <a:r>
-              <a:rPr lang="ru-RU" dirty="0" smtClean="0"/>
+              <a:rPr lang="ru-RU" dirty="0"/>
               <a:t>Кликните чтобы вставить фото</a:t>
             </a:r>
           </a:p>
@@ -3417,7 +3383,7 @@
           <a:p>
             <a:pPr lvl="0"/>
             <a:r>
-              <a:rPr lang="ru-RU" dirty="0" smtClean="0"/>
+              <a:rPr lang="ru-RU" dirty="0"/>
               <a:t>Вставьте текст</a:t>
             </a:r>
           </a:p>
@@ -3463,7 +3429,7 @@
           <a:p>
             <a:pPr lvl="0"/>
             <a:r>
-              <a:rPr lang="ru-RU" dirty="0" smtClean="0"/>
+              <a:rPr lang="ru-RU" dirty="0"/>
               <a:t>Кликните чтобы вставить фото</a:t>
             </a:r>
           </a:p>
@@ -3509,7 +3475,7 @@
           <a:p>
             <a:pPr lvl="0"/>
             <a:r>
-              <a:rPr lang="ru-RU" dirty="0" smtClean="0"/>
+              <a:rPr lang="ru-RU" dirty="0"/>
               <a:t>Кликните чтобы вставить фото</a:t>
             </a:r>
           </a:p>
@@ -3555,7 +3521,7 @@
           <a:p>
             <a:pPr lvl="0"/>
             <a:r>
-              <a:rPr lang="ru-RU" dirty="0" smtClean="0"/>
+              <a:rPr lang="ru-RU" dirty="0"/>
               <a:t>Кликните чтобы вставить фото</a:t>
             </a:r>
           </a:p>
@@ -3622,10 +3588,9 @@
           <a:lstStyle/>
           <a:p>
             <a:r>
-              <a:rPr lang="ru-RU" smtClean="0"/>
+              <a:rPr lang="ru-RU"/>
               <a:t>Образец заголовка</a:t>
             </a:r>
-            <a:endParaRPr lang="ru-RU"/>
           </a:p>
         </p:txBody>
       </p:sp>
@@ -3656,34 +3621,34 @@
           <a:p>
             <a:pPr lvl="0"/>
             <a:r>
-              <a:rPr lang="ru-RU" dirty="0" smtClean="0"/>
+              <a:rPr lang="ru-RU" dirty="0"/>
               <a:t>Образец текста</a:t>
             </a:r>
           </a:p>
           <a:p>
             <a:pPr lvl="1"/>
             <a:r>
-              <a:rPr lang="ru-RU" dirty="0" smtClean="0"/>
+              <a:rPr lang="ru-RU" dirty="0"/>
               <a:t>Второй уровень</a:t>
             </a:r>
           </a:p>
           <a:p>
             <a:pPr lvl="2"/>
             <a:r>
-              <a:rPr lang="ru-RU" dirty="0" smtClean="0"/>
+              <a:rPr lang="ru-RU" dirty="0"/>
               <a:t>Третий уровень</a:t>
             </a:r>
           </a:p>
           <a:p>
             <a:pPr lvl="3"/>
             <a:r>
-              <a:rPr lang="ru-RU" dirty="0" smtClean="0"/>
+              <a:rPr lang="ru-RU" dirty="0"/>
               <a:t>Четвертый уровень</a:t>
             </a:r>
           </a:p>
           <a:p>
             <a:pPr lvl="3"/>
-            <a:endParaRPr lang="ru-RU" dirty="0" smtClean="0"/>
+            <a:endParaRPr lang="ru-RU" dirty="0"/>
           </a:p>
         </p:txBody>
       </p:sp>
@@ -3722,7 +3687,7 @@
           <a:p>
             <a:fld id="{71FE0170-5F17-4EB0-BFA4-80529005E784}" type="datetimeFigureOut">
               <a:rPr lang="ru-RU" smtClean="0"/>
-              <a:t>27.05.2024</a:t>
+              <a:t>25.05.2025</a:t>
             </a:fld>
             <a:endParaRPr lang="ru-RU"/>
           </a:p>
@@ -4137,21 +4102,48 @@
         </p:nvSpPr>
         <p:spPr/>
         <p:txBody>
+          <a:bodyPr>
+            <a:normAutofit fontScale="90000"/>
+          </a:bodyPr>
+          <a:lstStyle/>
+          <a:p>
+            <a:r>
+              <a:rPr lang="ru-RU" dirty="0"/>
+              <a:t>Разработка информационной системы для автоматизации торговой деятельности индивидуального предпринимателя Ромашова Артема Сергеевича</a:t>
+            </a:r>
+          </a:p>
+        </p:txBody>
+      </p:sp>
+      <p:sp>
+        <p:nvSpPr>
+          <p:cNvPr id="23" name="Текст 22"/>
+          <p:cNvSpPr>
+            <a:spLocks noGrp="1"/>
+          </p:cNvSpPr>
+          <p:nvPr>
+            <p:ph type="body" sz="quarter" idx="13"/>
+          </p:nvPr>
+        </p:nvSpPr>
+        <p:spPr/>
+        <p:txBody>
           <a:bodyPr/>
           <a:lstStyle/>
           <a:p>
-            <a:endParaRPr lang="ru-RU"/>
-          </a:p>
-        </p:txBody>
-      </p:sp>
-      <p:sp>
-        <p:nvSpPr>
-          <p:cNvPr id="23" name="Текст 22"/>
-          <p:cNvSpPr>
-            <a:spLocks noGrp="1"/>
-          </p:cNvSpPr>
-          <p:nvPr>
-            <p:ph type="body" sz="quarter" idx="13"/>
+            <a:r>
+              <a:rPr lang="ru-RU" dirty="0"/>
+              <a:t>ЛУЦЕНКО НИКИТА РОМАНОВИЧ</a:t>
+            </a:r>
+          </a:p>
+        </p:txBody>
+      </p:sp>
+      <p:sp>
+        <p:nvSpPr>
+          <p:cNvPr id="24" name="Текст 23"/>
+          <p:cNvSpPr>
+            <a:spLocks noGrp="1"/>
+          </p:cNvSpPr>
+          <p:nvPr>
+            <p:ph type="body" sz="quarter" idx="17"/>
           </p:nvPr>
         </p:nvSpPr>
         <p:spPr/>
@@ -4159,18 +4151,21 @@
           <a:bodyPr/>
           <a:lstStyle/>
           <a:p>
-            <a:endParaRPr lang="ru-RU"/>
-          </a:p>
-        </p:txBody>
-      </p:sp>
-      <p:sp>
-        <p:nvSpPr>
-          <p:cNvPr id="24" name="Текст 23"/>
-          <p:cNvSpPr>
-            <a:spLocks noGrp="1"/>
-          </p:cNvSpPr>
-          <p:nvPr>
-            <p:ph type="body" sz="quarter" idx="17"/>
+            <a:r>
+              <a:rPr lang="ru-RU" dirty="0"/>
+              <a:t>ИСП411</a:t>
+            </a:r>
+          </a:p>
+        </p:txBody>
+      </p:sp>
+      <p:sp>
+        <p:nvSpPr>
+          <p:cNvPr id="25" name="Текст 24"/>
+          <p:cNvSpPr>
+            <a:spLocks noGrp="1"/>
+          </p:cNvSpPr>
+          <p:nvPr>
+            <p:ph type="body" sz="quarter" idx="18"/>
           </p:nvPr>
         </p:nvSpPr>
         <p:spPr/>
@@ -4178,26 +4173,10 @@
           <a:bodyPr/>
           <a:lstStyle/>
           <a:p>
-            <a:endParaRPr lang="ru-RU"/>
-          </a:p>
-        </p:txBody>
-      </p:sp>
-      <p:sp>
-        <p:nvSpPr>
-          <p:cNvPr id="25" name="Текст 24"/>
-          <p:cNvSpPr>
-            <a:spLocks noGrp="1"/>
-          </p:cNvSpPr>
-          <p:nvPr>
-            <p:ph type="body" sz="quarter" idx="18"/>
-          </p:nvPr>
-        </p:nvSpPr>
-        <p:spPr/>
-        <p:txBody>
-          <a:bodyPr/>
-          <a:lstStyle/>
-          <a:p>
-            <a:endParaRPr lang="ru-RU"/>
+            <a:r>
+              <a:rPr lang="ru-RU" dirty="0"/>
+              <a:t>ЛИСАВИНА А. В.</a:t>
+            </a:r>
           </a:p>
         </p:txBody>
       </p:sp>
@@ -4230,13 +4209,485 @@
   <p:clrMapOvr>
     <a:masterClrMapping/>
   </p:clrMapOvr>
-  <p:timing>
-    <p:tnLst>
-      <p:par>
-        <p:cTn id="1" dur="indefinite" restart="never" nodeType="tmRoot"/>
-      </p:par>
-    </p:tnLst>
-  </p:timing>
+</p:sld>
+</file>
+
+<file path=ppt/slides/slide10.xml><?xml version="1.0" encoding="utf-8"?>
+<p:sld xmlns:a="http://schemas.openxmlformats.org/drawingml/2006/main" xmlns:r="http://schemas.openxmlformats.org/officeDocument/2006/relationships" xmlns:p="http://schemas.openxmlformats.org/presentationml/2006/main">
+  <p:cSld>
+    <p:spTree>
+      <p:nvGrpSpPr>
+        <p:cNvPr id="1" name=""/>
+        <p:cNvGrpSpPr/>
+        <p:nvPr/>
+      </p:nvGrpSpPr>
+      <p:grpSpPr>
+        <a:xfrm>
+          <a:off x="0" y="0"/>
+          <a:ext cx="0" cy="0"/>
+          <a:chOff x="0" y="0"/>
+          <a:chExt cx="0" cy="0"/>
+        </a:xfrm>
+      </p:grpSpPr>
+      <p:sp>
+        <p:nvSpPr>
+          <p:cNvPr id="2" name="Title 1">
+            <a:extLst>
+              <a:ext uri="{FF2B5EF4-FFF2-40B4-BE49-F238E27FC236}">
+                <a16:creationId xmlns:a16="http://schemas.microsoft.com/office/drawing/2014/main" id="{9D30F931-6B5B-9F45-A9FE-2ECB3F2218A6}"/>
+              </a:ext>
+            </a:extLst>
+          </p:cNvPr>
+          <p:cNvSpPr>
+            <a:spLocks noGrp="1"/>
+          </p:cNvSpPr>
+          <p:nvPr>
+            <p:ph type="title"/>
+          </p:nvPr>
+        </p:nvSpPr>
+        <p:spPr/>
+        <p:txBody>
+          <a:bodyPr/>
+          <a:lstStyle/>
+          <a:p>
+            <a:r>
+              <a:rPr lang="ru-RU" dirty="0"/>
+              <a:t>Фрагмент программного кода</a:t>
+            </a:r>
+            <a:endParaRPr lang="en-RU" dirty="0"/>
+          </a:p>
+        </p:txBody>
+      </p:sp>
+      <p:pic>
+        <p:nvPicPr>
+          <p:cNvPr id="6" name="Content Placeholder 5">
+            <a:extLst>
+              <a:ext uri="{FF2B5EF4-FFF2-40B4-BE49-F238E27FC236}">
+                <a16:creationId xmlns:a16="http://schemas.microsoft.com/office/drawing/2014/main" id="{1ACD9B42-AE84-5243-8FBF-80E3062726E9}"/>
+              </a:ext>
+            </a:extLst>
+          </p:cNvPr>
+          <p:cNvPicPr>
+            <a:picLocks noGrp="1" noChangeAspect="1"/>
+          </p:cNvPicPr>
+          <p:nvPr>
+            <p:ph idx="1"/>
+          </p:nvPr>
+        </p:nvPicPr>
+        <p:blipFill>
+          <a:blip r:embed="rId2"/>
+          <a:stretch>
+            <a:fillRect/>
+          </a:stretch>
+        </p:blipFill>
+        <p:spPr>
+          <a:xfrm>
+            <a:off x="854184" y="1379730"/>
+            <a:ext cx="8928100" cy="4851400"/>
+          </a:xfrm>
+          <a:prstGeom prst="rect">
+            <a:avLst/>
+          </a:prstGeom>
+        </p:spPr>
+      </p:pic>
+    </p:spTree>
+    <p:extLst>
+      <p:ext uri="{BB962C8B-B14F-4D97-AF65-F5344CB8AC3E}">
+        <p14:creationId xmlns:p14="http://schemas.microsoft.com/office/powerpoint/2010/main" val="3252213598"/>
+      </p:ext>
+    </p:extLst>
+  </p:cSld>
+  <p:clrMapOvr>
+    <a:masterClrMapping/>
+  </p:clrMapOvr>
+</p:sld>
+</file>
+
+<file path=ppt/slides/slide11.xml><?xml version="1.0" encoding="utf-8"?>
+<p:sld xmlns:a="http://schemas.openxmlformats.org/drawingml/2006/main" xmlns:r="http://schemas.openxmlformats.org/officeDocument/2006/relationships" xmlns:p="http://schemas.openxmlformats.org/presentationml/2006/main">
+  <p:cSld>
+    <p:spTree>
+      <p:nvGrpSpPr>
+        <p:cNvPr id="1" name=""/>
+        <p:cNvGrpSpPr/>
+        <p:nvPr/>
+      </p:nvGrpSpPr>
+      <p:grpSpPr>
+        <a:xfrm>
+          <a:off x="0" y="0"/>
+          <a:ext cx="0" cy="0"/>
+          <a:chOff x="0" y="0"/>
+          <a:chExt cx="0" cy="0"/>
+        </a:xfrm>
+      </p:grpSpPr>
+      <p:sp>
+        <p:nvSpPr>
+          <p:cNvPr id="2" name="Title 1">
+            <a:extLst>
+              <a:ext uri="{FF2B5EF4-FFF2-40B4-BE49-F238E27FC236}">
+                <a16:creationId xmlns:a16="http://schemas.microsoft.com/office/drawing/2014/main" id="{554EE26A-7E5F-254A-BFC4-4630BD47FA63}"/>
+              </a:ext>
+            </a:extLst>
+          </p:cNvPr>
+          <p:cNvSpPr>
+            <a:spLocks noGrp="1"/>
+          </p:cNvSpPr>
+          <p:nvPr>
+            <p:ph type="title"/>
+          </p:nvPr>
+        </p:nvSpPr>
+        <p:spPr/>
+        <p:txBody>
+          <a:bodyPr/>
+          <a:lstStyle/>
+          <a:p>
+            <a:r>
+              <a:rPr lang="ru-RU" dirty="0"/>
+              <a:t>Заключение</a:t>
+            </a:r>
+            <a:endParaRPr lang="en-RU" dirty="0"/>
+          </a:p>
+        </p:txBody>
+      </p:sp>
+      <p:sp>
+        <p:nvSpPr>
+          <p:cNvPr id="3" name="Content Placeholder 2">
+            <a:extLst>
+              <a:ext uri="{FF2B5EF4-FFF2-40B4-BE49-F238E27FC236}">
+                <a16:creationId xmlns:a16="http://schemas.microsoft.com/office/drawing/2014/main" id="{A4E9004B-81B1-874C-863C-2C32AEC18E37}"/>
+              </a:ext>
+            </a:extLst>
+          </p:cNvPr>
+          <p:cNvSpPr>
+            <a:spLocks noGrp="1"/>
+          </p:cNvSpPr>
+          <p:nvPr>
+            <p:ph idx="1"/>
+          </p:nvPr>
+        </p:nvSpPr>
+        <p:spPr/>
+        <p:txBody>
+          <a:bodyPr>
+            <a:normAutofit/>
+          </a:bodyPr>
+          <a:lstStyle/>
+          <a:p>
+            <a:r>
+              <a:rPr lang="ru-RU" sz="2400" dirty="0">
+                <a:effectLst/>
+              </a:rPr>
+              <a:t>В результате выполнения дипломного проекта можно отметить, что поставленные цели и задачи достигнуты в полном объеме. Разработанная система соответствует современным требованиям и представляет собой эффективный инструмент цифровой торговли. Работа имеет практическую значимость и может служить основой для дальнейшего развития информационно-технологической структуры бренда</a:t>
+            </a:r>
+            <a:r>
+              <a:rPr lang="en-GB" sz="2400" dirty="0">
+                <a:effectLst/>
+              </a:rPr>
+              <a:t>.</a:t>
+            </a:r>
+          </a:p>
+        </p:txBody>
+      </p:sp>
+    </p:spTree>
+    <p:extLst>
+      <p:ext uri="{BB962C8B-B14F-4D97-AF65-F5344CB8AC3E}">
+        <p14:creationId xmlns:p14="http://schemas.microsoft.com/office/powerpoint/2010/main" val="1893067156"/>
+      </p:ext>
+    </p:extLst>
+  </p:cSld>
+  <p:clrMapOvr>
+    <a:masterClrMapping/>
+  </p:clrMapOvr>
+</p:sld>
+</file>
+
+<file path=ppt/slides/slide12.xml><?xml version="1.0" encoding="utf-8"?>
+<p:sld xmlns:a="http://schemas.openxmlformats.org/drawingml/2006/main" xmlns:r="http://schemas.openxmlformats.org/officeDocument/2006/relationships" xmlns:p="http://schemas.openxmlformats.org/presentationml/2006/main">
+  <p:cSld>
+    <p:spTree>
+      <p:nvGrpSpPr>
+        <p:cNvPr id="1" name=""/>
+        <p:cNvGrpSpPr/>
+        <p:nvPr/>
+      </p:nvGrpSpPr>
+      <p:grpSpPr>
+        <a:xfrm>
+          <a:off x="0" y="0"/>
+          <a:ext cx="0" cy="0"/>
+          <a:chOff x="0" y="0"/>
+          <a:chExt cx="0" cy="0"/>
+        </a:xfrm>
+      </p:grpSpPr>
+      <p:sp>
+        <p:nvSpPr>
+          <p:cNvPr id="7" name="Заголовок 6"/>
+          <p:cNvSpPr>
+            <a:spLocks noGrp="1"/>
+          </p:cNvSpPr>
+          <p:nvPr>
+            <p:ph type="title"/>
+          </p:nvPr>
+        </p:nvSpPr>
+        <p:spPr>
+          <a:xfrm>
+            <a:off x="1773411" y="2484556"/>
+            <a:ext cx="8645178" cy="1888887"/>
+          </a:xfrm>
+        </p:spPr>
+        <p:txBody>
+          <a:bodyPr>
+            <a:normAutofit/>
+          </a:bodyPr>
+          <a:lstStyle/>
+          <a:p>
+            <a:pPr algn="ctr"/>
+            <a:r>
+              <a:rPr lang="ru-RU" sz="4800" dirty="0"/>
+              <a:t>Спасибо за внимание!</a:t>
+            </a:r>
+          </a:p>
+        </p:txBody>
+      </p:sp>
+    </p:spTree>
+    <p:extLst>
+      <p:ext uri="{BB962C8B-B14F-4D97-AF65-F5344CB8AC3E}">
+        <p14:creationId xmlns:p14="http://schemas.microsoft.com/office/powerpoint/2010/main" val="264173792"/>
+      </p:ext>
+    </p:extLst>
+  </p:cSld>
+  <p:clrMapOvr>
+    <a:masterClrMapping/>
+  </p:clrMapOvr>
+</p:sld>
+</file>
+
+<file path=ppt/slides/slide13.xml><?xml version="1.0" encoding="utf-8"?>
+<p:sld xmlns:a="http://schemas.openxmlformats.org/drawingml/2006/main" xmlns:r="http://schemas.openxmlformats.org/officeDocument/2006/relationships" xmlns:p="http://schemas.openxmlformats.org/presentationml/2006/main">
+  <p:cSld>
+    <p:spTree>
+      <p:nvGrpSpPr>
+        <p:cNvPr id="1" name=""/>
+        <p:cNvGrpSpPr/>
+        <p:nvPr/>
+      </p:nvGrpSpPr>
+      <p:grpSpPr>
+        <a:xfrm>
+          <a:off x="0" y="0"/>
+          <a:ext cx="0" cy="0"/>
+          <a:chOff x="0" y="0"/>
+          <a:chExt cx="0" cy="0"/>
+        </a:xfrm>
+      </p:grpSpPr>
+      <p:sp>
+        <p:nvSpPr>
+          <p:cNvPr id="4" name="Заголовок 3"/>
+          <p:cNvSpPr>
+            <a:spLocks noGrp="1"/>
+          </p:cNvSpPr>
+          <p:nvPr>
+            <p:ph type="title"/>
+          </p:nvPr>
+        </p:nvSpPr>
+        <p:spPr/>
+        <p:txBody>
+          <a:bodyPr/>
+          <a:lstStyle/>
+          <a:p>
+            <a:endParaRPr lang="ru-RU"/>
+          </a:p>
+        </p:txBody>
+      </p:sp>
+      <p:sp>
+        <p:nvSpPr>
+          <p:cNvPr id="6" name="Объект 5"/>
+          <p:cNvSpPr>
+            <a:spLocks noGrp="1"/>
+          </p:cNvSpPr>
+          <p:nvPr>
+            <p:ph idx="10"/>
+          </p:nvPr>
+        </p:nvSpPr>
+        <p:spPr/>
+        <p:txBody>
+          <a:bodyPr/>
+          <a:lstStyle/>
+          <a:p>
+            <a:endParaRPr lang="ru-RU"/>
+          </a:p>
+        </p:txBody>
+      </p:sp>
+      <p:sp>
+        <p:nvSpPr>
+          <p:cNvPr id="5" name="Объект 4"/>
+          <p:cNvSpPr>
+            <a:spLocks noGrp="1"/>
+          </p:cNvSpPr>
+          <p:nvPr>
+            <p:ph idx="1"/>
+          </p:nvPr>
+        </p:nvSpPr>
+        <p:spPr/>
+        <p:txBody>
+          <a:bodyPr/>
+          <a:lstStyle/>
+          <a:p>
+            <a:endParaRPr lang="ru-RU" dirty="0"/>
+          </a:p>
+        </p:txBody>
+      </p:sp>
+    </p:spTree>
+    <p:extLst>
+      <p:ext uri="{BB962C8B-B14F-4D97-AF65-F5344CB8AC3E}">
+        <p14:creationId xmlns:p14="http://schemas.microsoft.com/office/powerpoint/2010/main" val="1845375393"/>
+      </p:ext>
+    </p:extLst>
+  </p:cSld>
+  <p:clrMapOvr>
+    <a:masterClrMapping/>
+  </p:clrMapOvr>
+</p:sld>
+</file>
+
+<file path=ppt/slides/slide14.xml><?xml version="1.0" encoding="utf-8"?>
+<p:sld xmlns:a="http://schemas.openxmlformats.org/drawingml/2006/main" xmlns:r="http://schemas.openxmlformats.org/officeDocument/2006/relationships" xmlns:p="http://schemas.openxmlformats.org/presentationml/2006/main">
+  <p:cSld>
+    <p:spTree>
+      <p:nvGrpSpPr>
+        <p:cNvPr id="1" name=""/>
+        <p:cNvGrpSpPr/>
+        <p:nvPr/>
+      </p:nvGrpSpPr>
+      <p:grpSpPr>
+        <a:xfrm>
+          <a:off x="0" y="0"/>
+          <a:ext cx="0" cy="0"/>
+          <a:chOff x="0" y="0"/>
+          <a:chExt cx="0" cy="0"/>
+        </a:xfrm>
+      </p:grpSpPr>
+      <p:sp>
+        <p:nvSpPr>
+          <p:cNvPr id="5" name="Заголовок 4"/>
+          <p:cNvSpPr>
+            <a:spLocks noGrp="1"/>
+          </p:cNvSpPr>
+          <p:nvPr>
+            <p:ph type="title"/>
+          </p:nvPr>
+        </p:nvSpPr>
+        <p:spPr/>
+        <p:txBody>
+          <a:bodyPr/>
+          <a:lstStyle/>
+          <a:p>
+            <a:endParaRPr lang="ru-RU"/>
+          </a:p>
+        </p:txBody>
+      </p:sp>
+      <p:sp>
+        <p:nvSpPr>
+          <p:cNvPr id="7" name="Объект 6"/>
+          <p:cNvSpPr>
+            <a:spLocks noGrp="1"/>
+          </p:cNvSpPr>
+          <p:nvPr>
+            <p:ph idx="10"/>
+          </p:nvPr>
+        </p:nvSpPr>
+        <p:spPr/>
+        <p:txBody>
+          <a:bodyPr/>
+          <a:lstStyle/>
+          <a:p>
+            <a:endParaRPr lang="ru-RU"/>
+          </a:p>
+        </p:txBody>
+      </p:sp>
+      <p:sp>
+        <p:nvSpPr>
+          <p:cNvPr id="6" name="Объект 5"/>
+          <p:cNvSpPr>
+            <a:spLocks noGrp="1"/>
+          </p:cNvSpPr>
+          <p:nvPr>
+            <p:ph idx="1"/>
+          </p:nvPr>
+        </p:nvSpPr>
+        <p:spPr/>
+        <p:txBody>
+          <a:bodyPr/>
+          <a:lstStyle/>
+          <a:p>
+            <a:endParaRPr lang="ru-RU"/>
+          </a:p>
+        </p:txBody>
+      </p:sp>
+      <p:sp>
+        <p:nvSpPr>
+          <p:cNvPr id="8" name="Объект 7"/>
+          <p:cNvSpPr>
+            <a:spLocks noGrp="1"/>
+          </p:cNvSpPr>
+          <p:nvPr>
+            <p:ph idx="11"/>
+          </p:nvPr>
+        </p:nvSpPr>
+        <p:spPr/>
+        <p:txBody>
+          <a:bodyPr/>
+          <a:lstStyle/>
+          <a:p>
+            <a:endParaRPr lang="ru-RU"/>
+          </a:p>
+        </p:txBody>
+      </p:sp>
+      <p:sp>
+        <p:nvSpPr>
+          <p:cNvPr id="9" name="Объект 8"/>
+          <p:cNvSpPr>
+            <a:spLocks noGrp="1"/>
+          </p:cNvSpPr>
+          <p:nvPr>
+            <p:ph idx="12"/>
+          </p:nvPr>
+        </p:nvSpPr>
+        <p:spPr/>
+        <p:txBody>
+          <a:bodyPr/>
+          <a:lstStyle/>
+          <a:p>
+            <a:endParaRPr lang="ru-RU"/>
+          </a:p>
+        </p:txBody>
+      </p:sp>
+      <p:sp>
+        <p:nvSpPr>
+          <p:cNvPr id="10" name="Объект 9"/>
+          <p:cNvSpPr>
+            <a:spLocks noGrp="1"/>
+          </p:cNvSpPr>
+          <p:nvPr>
+            <p:ph idx="13"/>
+          </p:nvPr>
+        </p:nvSpPr>
+        <p:spPr/>
+        <p:txBody>
+          <a:bodyPr/>
+          <a:lstStyle/>
+          <a:p>
+            <a:endParaRPr lang="ru-RU"/>
+          </a:p>
+        </p:txBody>
+      </p:sp>
+    </p:spTree>
+    <p:extLst>
+      <p:ext uri="{BB962C8B-B14F-4D97-AF65-F5344CB8AC3E}">
+        <p14:creationId xmlns:p14="http://schemas.microsoft.com/office/powerpoint/2010/main" val="3342981827"/>
+      </p:ext>
+    </p:extLst>
+  </p:cSld>
+  <p:clrMapOvr>
+    <a:masterClrMapping/>
+  </p:clrMapOvr>
 </p:sld>
 </file>
 
@@ -4259,12 +4710,12 @@
       </p:grpSpPr>
       <p:sp>
         <p:nvSpPr>
-          <p:cNvPr id="7" name="Заголовок 6"/>
-          <p:cNvSpPr>
-            <a:spLocks noGrp="1"/>
-          </p:cNvSpPr>
-          <p:nvPr>
-            <p:ph type="ctrTitle"/>
+          <p:cNvPr id="4" name="Заголовок 3"/>
+          <p:cNvSpPr>
+            <a:spLocks noGrp="1"/>
+          </p:cNvSpPr>
+          <p:nvPr>
+            <p:ph type="title"/>
           </p:nvPr>
         </p:nvSpPr>
         <p:spPr/>
@@ -4272,90 +4723,50 @@
           <a:bodyPr/>
           <a:lstStyle/>
           <a:p>
-            <a:endParaRPr lang="ru-RU"/>
-          </a:p>
-        </p:txBody>
-      </p:sp>
-      <p:sp>
-        <p:nvSpPr>
-          <p:cNvPr id="8" name="Текст 7"/>
-          <p:cNvSpPr>
-            <a:spLocks noGrp="1"/>
-          </p:cNvSpPr>
-          <p:nvPr>
-            <p:ph type="body" sz="quarter" idx="13"/>
-          </p:nvPr>
-        </p:nvSpPr>
-        <p:spPr/>
-        <p:txBody>
-          <a:bodyPr/>
+            <a:r>
+              <a:rPr lang="ru-RU" dirty="0"/>
+              <a:t>Цель</a:t>
+            </a:r>
+          </a:p>
+        </p:txBody>
+      </p:sp>
+      <p:sp>
+        <p:nvSpPr>
+          <p:cNvPr id="5" name="Текст 4"/>
+          <p:cNvSpPr>
+            <a:spLocks noGrp="1"/>
+          </p:cNvSpPr>
+          <p:nvPr>
+            <p:ph type="body" sz="quarter" idx="11"/>
+          </p:nvPr>
+        </p:nvSpPr>
+        <p:spPr>
+          <a:xfrm>
+            <a:off x="838199" y="1304543"/>
+            <a:ext cx="10515600" cy="1796009"/>
+          </a:xfrm>
+        </p:spPr>
+        <p:txBody>
+          <a:bodyPr>
+            <a:normAutofit/>
+          </a:bodyPr>
           <a:lstStyle/>
           <a:p>
-            <a:endParaRPr lang="ru-RU"/>
-          </a:p>
-        </p:txBody>
-      </p:sp>
-      <p:sp>
-        <p:nvSpPr>
-          <p:cNvPr id="9" name="Текст 8"/>
-          <p:cNvSpPr>
-            <a:spLocks noGrp="1"/>
-          </p:cNvSpPr>
-          <p:nvPr>
-            <p:ph type="body" sz="quarter" idx="17"/>
-          </p:nvPr>
-        </p:nvSpPr>
-        <p:spPr/>
-        <p:txBody>
-          <a:bodyPr/>
-          <a:lstStyle/>
-          <a:p>
-            <a:endParaRPr lang="ru-RU"/>
-          </a:p>
-        </p:txBody>
-      </p:sp>
-      <p:sp>
-        <p:nvSpPr>
-          <p:cNvPr id="10" name="Текст 9"/>
-          <p:cNvSpPr>
-            <a:spLocks noGrp="1"/>
-          </p:cNvSpPr>
-          <p:nvPr>
-            <p:ph type="body" sz="quarter" idx="18"/>
-          </p:nvPr>
-        </p:nvSpPr>
-        <p:spPr/>
-        <p:txBody>
-          <a:bodyPr/>
-          <a:lstStyle/>
-          <a:p>
-            <a:endParaRPr lang="ru-RU"/>
-          </a:p>
-        </p:txBody>
-      </p:sp>
-      <p:sp>
-        <p:nvSpPr>
-          <p:cNvPr id="11" name="Текст 10"/>
-          <p:cNvSpPr>
-            <a:spLocks noGrp="1"/>
-          </p:cNvSpPr>
-          <p:nvPr>
-            <p:ph type="body" sz="quarter" idx="19"/>
-          </p:nvPr>
-        </p:nvSpPr>
-        <p:spPr/>
-        <p:txBody>
-          <a:bodyPr/>
-          <a:lstStyle/>
-          <a:p>
-            <a:endParaRPr lang="ru-RU"/>
+            <a:pPr algn="just"/>
+            <a:r>
+              <a:rPr lang="ru-RU" dirty="0">
+                <a:latin typeface="Arial" panose="020B0604020202020204" pitchFamily="34" charset="0"/>
+                <a:cs typeface="Arial" panose="020B0604020202020204" pitchFamily="34" charset="0"/>
+              </a:rPr>
+              <a:t>Создание удобного и функционального веб-приложения для интернет-магазина женской одежды, которое упростит процесс покупок, обеспечит пользователям интуитивно понятный интерфейс, автоматизирует работу с заказами и улучшит взаимодействие между покупателями и продавцом.</a:t>
+            </a:r>
           </a:p>
         </p:txBody>
       </p:sp>
     </p:spTree>
     <p:extLst>
       <p:ext uri="{BB962C8B-B14F-4D97-AF65-F5344CB8AC3E}">
-        <p14:creationId xmlns:p14="http://schemas.microsoft.com/office/powerpoint/2010/main" val="2910466574"/>
+        <p14:creationId xmlns:p14="http://schemas.microsoft.com/office/powerpoint/2010/main" val="3421692056"/>
       </p:ext>
     </p:extLst>
   </p:cSld>
@@ -4384,7 +4795,7 @@
       </p:grpSpPr>
       <p:sp>
         <p:nvSpPr>
-          <p:cNvPr id="7" name="Заголовок 6"/>
+          <p:cNvPr id="6" name="Заголовок 5"/>
           <p:cNvSpPr>
             <a:spLocks noGrp="1"/>
           </p:cNvSpPr>
@@ -4397,33 +4808,199 @@
           <a:bodyPr/>
           <a:lstStyle/>
           <a:p>
-            <a:endParaRPr lang="ru-RU"/>
-          </a:p>
-        </p:txBody>
-      </p:sp>
-      <p:sp>
-        <p:nvSpPr>
-          <p:cNvPr id="8" name="Текст 7"/>
-          <p:cNvSpPr>
-            <a:spLocks noGrp="1"/>
-          </p:cNvSpPr>
-          <p:nvPr>
-            <p:ph type="body" sz="quarter" idx="10"/>
-          </p:nvPr>
-        </p:nvSpPr>
-        <p:spPr/>
-        <p:txBody>
-          <a:bodyPr/>
+            <a:r>
+              <a:rPr lang="ru-RU" dirty="0"/>
+              <a:t>Задачи</a:t>
+            </a:r>
+          </a:p>
+        </p:txBody>
+      </p:sp>
+      <p:sp>
+        <p:nvSpPr>
+          <p:cNvPr id="9" name="Текст 8"/>
+          <p:cNvSpPr>
+            <a:spLocks noGrp="1"/>
+          </p:cNvSpPr>
+          <p:nvPr>
+            <p:ph type="body" sz="quarter" idx="11"/>
+          </p:nvPr>
+        </p:nvSpPr>
+        <p:spPr>
+          <a:xfrm>
+            <a:off x="838199" y="1304543"/>
+            <a:ext cx="10515601" cy="3015210"/>
+          </a:xfrm>
+        </p:spPr>
+        <p:txBody>
+          <a:bodyPr>
+            <a:noAutofit/>
+          </a:bodyPr>
           <a:lstStyle/>
           <a:p>
-            <a:endParaRPr lang="ru-RU"/>
+            <a:pPr marL="457200" lvl="0" indent="-457200" algn="just">
+              <a:lnSpc>
+                <a:spcPct val="100000"/>
+              </a:lnSpc>
+              <a:buFont typeface="+mj-lt"/>
+              <a:buAutoNum type="arabicPeriod"/>
+            </a:pPr>
+            <a:r>
+              <a:rPr lang="ru-RU" dirty="0">
+                <a:solidFill>
+                  <a:schemeClr val="tx1"/>
+                </a:solidFill>
+                <a:effectLst/>
+                <a:latin typeface="Arial" panose="020B0604020202020204" pitchFamily="34" charset="0"/>
+                <a:ea typeface="Times New Roman" panose="02020603050405020304" pitchFamily="18" charset="0"/>
+                <a:cs typeface="Arial" panose="020B0604020202020204" pitchFamily="34" charset="0"/>
+              </a:rPr>
+              <a:t>Провести анализ существующих методов оптимизации производственных процессов;</a:t>
+            </a:r>
+            <a:endParaRPr lang="en-RU" dirty="0">
+              <a:solidFill>
+                <a:schemeClr val="tx1"/>
+              </a:solidFill>
+              <a:effectLst/>
+              <a:latin typeface="Arial" panose="020B0604020202020204" pitchFamily="34" charset="0"/>
+              <a:ea typeface="Times New Roman" panose="02020603050405020304" pitchFamily="18" charset="0"/>
+              <a:cs typeface="Arial" panose="020B0604020202020204" pitchFamily="34" charset="0"/>
+            </a:endParaRPr>
+          </a:p>
+          <a:p>
+            <a:pPr marL="457200" lvl="0" indent="-457200" algn="just">
+              <a:lnSpc>
+                <a:spcPct val="100000"/>
+              </a:lnSpc>
+              <a:buFont typeface="+mj-lt"/>
+              <a:buAutoNum type="arabicPeriod"/>
+            </a:pPr>
+            <a:r>
+              <a:rPr lang="ru-RU" dirty="0">
+                <a:solidFill>
+                  <a:schemeClr val="tx1"/>
+                </a:solidFill>
+                <a:effectLst/>
+                <a:latin typeface="Arial" panose="020B0604020202020204" pitchFamily="34" charset="0"/>
+                <a:ea typeface="Times New Roman" panose="02020603050405020304" pitchFamily="18" charset="0"/>
+                <a:cs typeface="Arial" panose="020B0604020202020204" pitchFamily="34" charset="0"/>
+              </a:rPr>
+              <a:t>Разработать архитектуру базы данных и информационную систему;</a:t>
+            </a:r>
+            <a:endParaRPr lang="en-RU" dirty="0">
+              <a:solidFill>
+                <a:schemeClr val="tx1"/>
+              </a:solidFill>
+              <a:effectLst/>
+              <a:latin typeface="Arial" panose="020B0604020202020204" pitchFamily="34" charset="0"/>
+              <a:ea typeface="Times New Roman" panose="02020603050405020304" pitchFamily="18" charset="0"/>
+              <a:cs typeface="Arial" panose="020B0604020202020204" pitchFamily="34" charset="0"/>
+            </a:endParaRPr>
+          </a:p>
+          <a:p>
+            <a:pPr marL="457200" lvl="0" indent="-457200" algn="just">
+              <a:lnSpc>
+                <a:spcPct val="100000"/>
+              </a:lnSpc>
+              <a:buFont typeface="+mj-lt"/>
+              <a:buAutoNum type="arabicPeriod"/>
+            </a:pPr>
+            <a:r>
+              <a:rPr lang="ru-RU" dirty="0">
+                <a:solidFill>
+                  <a:schemeClr val="tx1"/>
+                </a:solidFill>
+                <a:effectLst/>
+                <a:latin typeface="Arial" panose="020B0604020202020204" pitchFamily="34" charset="0"/>
+                <a:ea typeface="Times New Roman" panose="02020603050405020304" pitchFamily="18" charset="0"/>
+                <a:cs typeface="Arial" panose="020B0604020202020204" pitchFamily="34" charset="0"/>
+              </a:rPr>
+              <a:t>Провести тестирование и отладку разработанной системы;</a:t>
+            </a:r>
+            <a:endParaRPr lang="en-RU" dirty="0">
+              <a:solidFill>
+                <a:schemeClr val="tx1"/>
+              </a:solidFill>
+              <a:effectLst/>
+              <a:latin typeface="Arial" panose="020B0604020202020204" pitchFamily="34" charset="0"/>
+              <a:ea typeface="Times New Roman" panose="02020603050405020304" pitchFamily="18" charset="0"/>
+              <a:cs typeface="Arial" panose="020B0604020202020204" pitchFamily="34" charset="0"/>
+            </a:endParaRPr>
+          </a:p>
+          <a:p>
+            <a:pPr marL="457200" lvl="0" indent="-457200" algn="just">
+              <a:lnSpc>
+                <a:spcPct val="100000"/>
+              </a:lnSpc>
+              <a:buFont typeface="+mj-lt"/>
+              <a:buAutoNum type="arabicPeriod"/>
+            </a:pPr>
+            <a:r>
+              <a:rPr lang="ru-RU" dirty="0">
+                <a:solidFill>
+                  <a:schemeClr val="tx1"/>
+                </a:solidFill>
+                <a:effectLst/>
+                <a:latin typeface="Arial" panose="020B0604020202020204" pitchFamily="34" charset="0"/>
+                <a:ea typeface="Times New Roman" panose="02020603050405020304" pitchFamily="18" charset="0"/>
+                <a:cs typeface="Arial" panose="020B0604020202020204" pitchFamily="34" charset="0"/>
+              </a:rPr>
+              <a:t>Разработать руководство пользователя;</a:t>
+            </a:r>
+            <a:endParaRPr lang="en-RU" dirty="0">
+              <a:solidFill>
+                <a:schemeClr val="tx1"/>
+              </a:solidFill>
+              <a:effectLst/>
+              <a:latin typeface="Arial" panose="020B0604020202020204" pitchFamily="34" charset="0"/>
+              <a:ea typeface="Times New Roman" panose="02020603050405020304" pitchFamily="18" charset="0"/>
+              <a:cs typeface="Arial" panose="020B0604020202020204" pitchFamily="34" charset="0"/>
+            </a:endParaRPr>
+          </a:p>
+          <a:p>
+            <a:pPr marL="457200" indent="-457200" algn="just">
+              <a:lnSpc>
+                <a:spcPct val="100000"/>
+              </a:lnSpc>
+              <a:buFont typeface="+mj-lt"/>
+              <a:buAutoNum type="arabicPeriod"/>
+            </a:pPr>
+            <a:r>
+              <a:rPr lang="ru-RU" dirty="0">
+                <a:solidFill>
+                  <a:schemeClr val="tx1"/>
+                </a:solidFill>
+                <a:effectLst/>
+                <a:latin typeface="Arial" panose="020B0604020202020204" pitchFamily="34" charset="0"/>
+                <a:ea typeface="Times New Roman" panose="02020603050405020304" pitchFamily="18" charset="0"/>
+                <a:cs typeface="Arial" panose="020B0604020202020204" pitchFamily="34" charset="0"/>
+              </a:rPr>
+              <a:t>Провести оценку экономической эффективности.</a:t>
+            </a:r>
+            <a:r>
+              <a:rPr lang="en-RU" dirty="0">
+                <a:solidFill>
+                  <a:schemeClr val="tx1"/>
+                </a:solidFill>
+                <a:effectLst/>
+                <a:latin typeface="Arial" panose="020B0604020202020204" pitchFamily="34" charset="0"/>
+                <a:cs typeface="Arial" panose="020B0604020202020204" pitchFamily="34" charset="0"/>
+              </a:rPr>
+              <a:t> </a:t>
+            </a:r>
+            <a:endParaRPr lang="ru-RU" dirty="0">
+              <a:solidFill>
+                <a:schemeClr val="tx1"/>
+              </a:solidFill>
+              <a:latin typeface="Arial" panose="020B0604020202020204" pitchFamily="34" charset="0"/>
+              <a:cs typeface="Arial" panose="020B0604020202020204" pitchFamily="34" charset="0"/>
+            </a:endParaRPr>
           </a:p>
         </p:txBody>
       </p:sp>
     </p:spTree>
     <p:extLst>
       <p:ext uri="{BB962C8B-B14F-4D97-AF65-F5344CB8AC3E}">
-        <p14:creationId xmlns:p14="http://schemas.microsoft.com/office/powerpoint/2010/main" val="264173792"/>
+        <p14:creationId xmlns:p14="http://schemas.microsoft.com/office/powerpoint/2010/main" val="1325406375"/>
       </p:ext>
     </p:extLst>
   </p:cSld>
@@ -4452,7 +5029,7 @@
       </p:grpSpPr>
       <p:sp>
         <p:nvSpPr>
-          <p:cNvPr id="4" name="Заголовок 3"/>
+          <p:cNvPr id="6" name="Заголовок 5"/>
           <p:cNvSpPr>
             <a:spLocks noGrp="1"/>
           </p:cNvSpPr>
@@ -4465,71 +5042,273 @@
           <a:bodyPr/>
           <a:lstStyle/>
           <a:p>
-            <a:endParaRPr lang="ru-RU"/>
-          </a:p>
-        </p:txBody>
-      </p:sp>
-      <p:sp>
-        <p:nvSpPr>
-          <p:cNvPr id="5" name="Текст 4"/>
-          <p:cNvSpPr>
-            <a:spLocks noGrp="1"/>
-          </p:cNvSpPr>
-          <p:nvPr>
-            <p:ph type="body" sz="quarter" idx="11"/>
-          </p:nvPr>
-        </p:nvSpPr>
-        <p:spPr/>
-        <p:txBody>
-          <a:bodyPr/>
+            <a:r>
+              <a:rPr lang="ru-RU" dirty="0"/>
+              <a:t>Заказчик</a:t>
+            </a:r>
+          </a:p>
+        </p:txBody>
+      </p:sp>
+      <p:sp>
+        <p:nvSpPr>
+          <p:cNvPr id="7" name="Объект 6"/>
+          <p:cNvSpPr>
+            <a:spLocks noGrp="1"/>
+          </p:cNvSpPr>
+          <p:nvPr>
+            <p:ph idx="1"/>
+          </p:nvPr>
+        </p:nvSpPr>
+        <p:spPr>
+          <a:xfrm>
+            <a:off x="838200" y="2105607"/>
+            <a:ext cx="10515600" cy="4589483"/>
+          </a:xfrm>
+        </p:spPr>
+        <p:txBody>
+          <a:bodyPr>
+            <a:normAutofit/>
+          </a:bodyPr>
           <a:lstStyle/>
           <a:p>
-            <a:endParaRPr lang="ru-RU"/>
-          </a:p>
-        </p:txBody>
-      </p:sp>
-      <p:sp>
-        <p:nvSpPr>
-          <p:cNvPr id="6" name="Объект 5"/>
-          <p:cNvSpPr>
-            <a:spLocks noGrp="1"/>
-          </p:cNvSpPr>
-          <p:nvPr>
-            <p:ph idx="12"/>
-          </p:nvPr>
-        </p:nvSpPr>
-        <p:spPr/>
-        <p:txBody>
-          <a:bodyPr/>
-          <a:lstStyle/>
-          <a:p>
-            <a:endParaRPr lang="ru-RU"/>
-          </a:p>
-        </p:txBody>
-      </p:sp>
-      <p:sp>
-        <p:nvSpPr>
-          <p:cNvPr id="7" name="Текст 6"/>
-          <p:cNvSpPr>
-            <a:spLocks noGrp="1"/>
-          </p:cNvSpPr>
-          <p:nvPr>
-            <p:ph type="body" sz="quarter" idx="13"/>
-          </p:nvPr>
-        </p:nvSpPr>
-        <p:spPr/>
-        <p:txBody>
-          <a:bodyPr/>
-          <a:lstStyle/>
-          <a:p>
-            <a:endParaRPr lang="ru-RU"/>
+            <a:pPr algn="just">
+              <a:lnSpc>
+                <a:spcPct val="100000"/>
+              </a:lnSpc>
+            </a:pPr>
+            <a:r>
+              <a:rPr lang="ru-RU" sz="2400" dirty="0"/>
+              <a:t>Предприниматель решил расширить свой бизнес и заказал разработку веб-приложения для интернет-магазина женской одежды. </a:t>
+            </a:r>
+          </a:p>
+          <a:p>
+            <a:pPr algn="just">
+              <a:lnSpc>
+                <a:spcPct val="100000"/>
+              </a:lnSpc>
+            </a:pPr>
+            <a:r>
+              <a:rPr lang="ru-RU" sz="2400" dirty="0"/>
+              <a:t>Для обеспечения конкурентоспособности заказчик выбрал автоматизированное решение с удобным интерфейсом для покупателей.</a:t>
+            </a:r>
+          </a:p>
+        </p:txBody>
+      </p:sp>
+      <p:sp>
+        <p:nvSpPr>
+          <p:cNvPr id="4" name="Текст 8">
+            <a:extLst>
+              <a:ext uri="{FF2B5EF4-FFF2-40B4-BE49-F238E27FC236}">
+                <a16:creationId xmlns:a16="http://schemas.microsoft.com/office/drawing/2014/main" id="{0D87A9CC-ED7E-374B-9065-4378FCB54DE8}"/>
+              </a:ext>
+            </a:extLst>
+          </p:cNvPr>
+          <p:cNvSpPr txBox="1">
+            <a:spLocks/>
+          </p:cNvSpPr>
+          <p:nvPr/>
+        </p:nvSpPr>
+        <p:spPr>
+          <a:xfrm>
+            <a:off x="838199" y="1304543"/>
+            <a:ext cx="10515601" cy="639871"/>
+          </a:xfrm>
+          <a:prstGeom prst="rect">
+            <a:avLst/>
+          </a:prstGeom>
+        </p:spPr>
+        <p:txBody>
+          <a:bodyPr>
+            <a:noAutofit/>
+          </a:bodyPr>
+          <a:lstStyle>
+            <a:lvl1pPr marL="228600" indent="-228600" algn="l" defTabSz="914400" rtl="0" eaLnBrk="1" latinLnBrk="0" hangingPunct="1">
+              <a:lnSpc>
+                <a:spcPct val="90000"/>
+              </a:lnSpc>
+              <a:spcBef>
+                <a:spcPts val="1000"/>
+              </a:spcBef>
+              <a:buFont typeface="Arial" panose="020B0604020202020204" pitchFamily="34" charset="0"/>
+              <a:buChar char="•"/>
+              <a:defRPr sz="2800" kern="1200">
+                <a:solidFill>
+                  <a:schemeClr val="tx1"/>
+                </a:solidFill>
+                <a:latin typeface="+mn-lt"/>
+                <a:ea typeface="+mn-ea"/>
+                <a:cs typeface="+mn-cs"/>
+              </a:defRPr>
+            </a:lvl1pPr>
+            <a:lvl2pPr marL="685800" indent="-228600" algn="l" defTabSz="914400" rtl="0" eaLnBrk="1" latinLnBrk="0" hangingPunct="1">
+              <a:lnSpc>
+                <a:spcPct val="90000"/>
+              </a:lnSpc>
+              <a:spcBef>
+                <a:spcPts val="500"/>
+              </a:spcBef>
+              <a:buFont typeface="Arial" panose="020B0604020202020204" pitchFamily="34" charset="0"/>
+              <a:buChar char="•"/>
+              <a:defRPr sz="2400" kern="1200">
+                <a:solidFill>
+                  <a:schemeClr val="tx1"/>
+                </a:solidFill>
+                <a:latin typeface="+mn-lt"/>
+                <a:ea typeface="+mn-ea"/>
+                <a:cs typeface="+mn-cs"/>
+              </a:defRPr>
+            </a:lvl2pPr>
+            <a:lvl3pPr marL="1143000" indent="-228600" algn="l" defTabSz="914400" rtl="0" eaLnBrk="1" latinLnBrk="0" hangingPunct="1">
+              <a:lnSpc>
+                <a:spcPct val="90000"/>
+              </a:lnSpc>
+              <a:spcBef>
+                <a:spcPts val="500"/>
+              </a:spcBef>
+              <a:buFont typeface="Arial" panose="020B0604020202020204" pitchFamily="34" charset="0"/>
+              <a:buChar char="•"/>
+              <a:defRPr sz="2000" kern="1200">
+                <a:solidFill>
+                  <a:schemeClr val="tx1"/>
+                </a:solidFill>
+                <a:latin typeface="+mn-lt"/>
+                <a:ea typeface="+mn-ea"/>
+                <a:cs typeface="+mn-cs"/>
+              </a:defRPr>
+            </a:lvl3pPr>
+            <a:lvl4pPr marL="1600200" indent="-228600" algn="l" defTabSz="914400" rtl="0" eaLnBrk="1" latinLnBrk="0" hangingPunct="1">
+              <a:lnSpc>
+                <a:spcPct val="90000"/>
+              </a:lnSpc>
+              <a:spcBef>
+                <a:spcPts val="500"/>
+              </a:spcBef>
+              <a:buFont typeface="Arial" panose="020B0604020202020204" pitchFamily="34" charset="0"/>
+              <a:buChar char="•"/>
+              <a:defRPr sz="1800" kern="1200">
+                <a:solidFill>
+                  <a:schemeClr val="tx1"/>
+                </a:solidFill>
+                <a:latin typeface="+mn-lt"/>
+                <a:ea typeface="+mn-ea"/>
+                <a:cs typeface="+mn-cs"/>
+              </a:defRPr>
+            </a:lvl4pPr>
+            <a:lvl5pPr marL="2057400" indent="-228600" algn="l" defTabSz="914400" rtl="0" eaLnBrk="1" latinLnBrk="0" hangingPunct="1">
+              <a:lnSpc>
+                <a:spcPct val="90000"/>
+              </a:lnSpc>
+              <a:spcBef>
+                <a:spcPts val="500"/>
+              </a:spcBef>
+              <a:buFont typeface="Arial" panose="020B0604020202020204" pitchFamily="34" charset="0"/>
+              <a:buChar char="•"/>
+              <a:defRPr sz="1800" kern="1200">
+                <a:solidFill>
+                  <a:schemeClr val="tx1"/>
+                </a:solidFill>
+                <a:latin typeface="+mn-lt"/>
+                <a:ea typeface="+mn-ea"/>
+                <a:cs typeface="+mn-cs"/>
+              </a:defRPr>
+            </a:lvl5pPr>
+            <a:lvl6pPr marL="2514600" indent="-228600" algn="l" defTabSz="914400" rtl="0" eaLnBrk="1" latinLnBrk="0" hangingPunct="1">
+              <a:lnSpc>
+                <a:spcPct val="90000"/>
+              </a:lnSpc>
+              <a:spcBef>
+                <a:spcPts val="500"/>
+              </a:spcBef>
+              <a:buFont typeface="Arial" panose="020B0604020202020204" pitchFamily="34" charset="0"/>
+              <a:buChar char="•"/>
+              <a:defRPr sz="1800" kern="1200">
+                <a:solidFill>
+                  <a:schemeClr val="tx1"/>
+                </a:solidFill>
+                <a:latin typeface="+mn-lt"/>
+                <a:ea typeface="+mn-ea"/>
+                <a:cs typeface="+mn-cs"/>
+              </a:defRPr>
+            </a:lvl6pPr>
+            <a:lvl7pPr marL="2971800" indent="-228600" algn="l" defTabSz="914400" rtl="0" eaLnBrk="1" latinLnBrk="0" hangingPunct="1">
+              <a:lnSpc>
+                <a:spcPct val="90000"/>
+              </a:lnSpc>
+              <a:spcBef>
+                <a:spcPts val="500"/>
+              </a:spcBef>
+              <a:buFont typeface="Arial" panose="020B0604020202020204" pitchFamily="34" charset="0"/>
+              <a:buChar char="•"/>
+              <a:defRPr sz="1800" kern="1200">
+                <a:solidFill>
+                  <a:schemeClr val="tx1"/>
+                </a:solidFill>
+                <a:latin typeface="+mn-lt"/>
+                <a:ea typeface="+mn-ea"/>
+                <a:cs typeface="+mn-cs"/>
+              </a:defRPr>
+            </a:lvl7pPr>
+            <a:lvl8pPr marL="3429000" indent="-228600" algn="l" defTabSz="914400" rtl="0" eaLnBrk="1" latinLnBrk="0" hangingPunct="1">
+              <a:lnSpc>
+                <a:spcPct val="90000"/>
+              </a:lnSpc>
+              <a:spcBef>
+                <a:spcPts val="500"/>
+              </a:spcBef>
+              <a:buFont typeface="Arial" panose="020B0604020202020204" pitchFamily="34" charset="0"/>
+              <a:buChar char="•"/>
+              <a:defRPr sz="1800" kern="1200">
+                <a:solidFill>
+                  <a:schemeClr val="tx1"/>
+                </a:solidFill>
+                <a:latin typeface="+mn-lt"/>
+                <a:ea typeface="+mn-ea"/>
+                <a:cs typeface="+mn-cs"/>
+              </a:defRPr>
+            </a:lvl8pPr>
+            <a:lvl9pPr marL="3886200" indent="-228600" algn="l" defTabSz="914400" rtl="0" eaLnBrk="1" latinLnBrk="0" hangingPunct="1">
+              <a:lnSpc>
+                <a:spcPct val="90000"/>
+              </a:lnSpc>
+              <a:spcBef>
+                <a:spcPts val="500"/>
+              </a:spcBef>
+              <a:buFont typeface="Arial" panose="020B0604020202020204" pitchFamily="34" charset="0"/>
+              <a:buChar char="•"/>
+              <a:defRPr sz="1800" kern="1200">
+                <a:solidFill>
+                  <a:schemeClr val="tx1"/>
+                </a:solidFill>
+                <a:latin typeface="+mn-lt"/>
+                <a:ea typeface="+mn-ea"/>
+                <a:cs typeface="+mn-cs"/>
+              </a:defRPr>
+            </a:lvl9pPr>
+          </a:lstStyle>
+          <a:p>
+            <a:pPr marL="0" indent="0" algn="just">
+              <a:lnSpc>
+                <a:spcPct val="100000"/>
+              </a:lnSpc>
+              <a:buNone/>
+            </a:pPr>
+            <a:r>
+              <a:rPr lang="ru-RU" sz="2400" dirty="0">
+                <a:solidFill>
+                  <a:srgbClr val="444391"/>
+                </a:solidFill>
+                <a:latin typeface="Arial" panose="020B0604020202020204" pitchFamily="34" charset="0"/>
+                <a:cs typeface="Arial" panose="020B0604020202020204" pitchFamily="34" charset="0"/>
+              </a:rPr>
+              <a:t>ИП Ромашов Артем Сергеевич</a:t>
+            </a:r>
           </a:p>
         </p:txBody>
       </p:sp>
     </p:spTree>
     <p:extLst>
       <p:ext uri="{BB962C8B-B14F-4D97-AF65-F5344CB8AC3E}">
-        <p14:creationId xmlns:p14="http://schemas.microsoft.com/office/powerpoint/2010/main" val="3421692056"/>
+        <p14:creationId xmlns:p14="http://schemas.microsoft.com/office/powerpoint/2010/main" val="539949152"/>
       </p:ext>
     </p:extLst>
   </p:cSld>
@@ -4571,71 +5350,301 @@
           <a:bodyPr/>
           <a:lstStyle/>
           <a:p>
-            <a:endParaRPr lang="ru-RU"/>
-          </a:p>
-        </p:txBody>
-      </p:sp>
-      <p:sp>
-        <p:nvSpPr>
-          <p:cNvPr id="7" name="Объект 6"/>
-          <p:cNvSpPr>
-            <a:spLocks noGrp="1"/>
-          </p:cNvSpPr>
-          <p:nvPr>
-            <p:ph idx="1"/>
-          </p:nvPr>
-        </p:nvSpPr>
-        <p:spPr/>
-        <p:txBody>
-          <a:bodyPr/>
+            <a:r>
+              <a:rPr lang="ru-RU" dirty="0"/>
+              <a:t>Актуальность</a:t>
+            </a:r>
+          </a:p>
+        </p:txBody>
+      </p:sp>
+      <p:sp>
+        <p:nvSpPr>
+          <p:cNvPr id="4" name="Текст 8">
+            <a:extLst>
+              <a:ext uri="{FF2B5EF4-FFF2-40B4-BE49-F238E27FC236}">
+                <a16:creationId xmlns:a16="http://schemas.microsoft.com/office/drawing/2014/main" id="{0D87A9CC-ED7E-374B-9065-4378FCB54DE8}"/>
+              </a:ext>
+            </a:extLst>
+          </p:cNvPr>
+          <p:cNvSpPr txBox="1">
+            <a:spLocks/>
+          </p:cNvSpPr>
+          <p:nvPr/>
+        </p:nvSpPr>
+        <p:spPr>
+          <a:xfrm>
+            <a:off x="838199" y="1304543"/>
+            <a:ext cx="10515601" cy="639871"/>
+          </a:xfrm>
+          <a:prstGeom prst="rect">
+            <a:avLst/>
+          </a:prstGeom>
+        </p:spPr>
+        <p:txBody>
+          <a:bodyPr>
+            <a:noAutofit/>
+          </a:bodyPr>
+          <a:lstStyle>
+            <a:lvl1pPr marL="228600" indent="-228600" algn="l" defTabSz="914400" rtl="0" eaLnBrk="1" latinLnBrk="0" hangingPunct="1">
+              <a:lnSpc>
+                <a:spcPct val="90000"/>
+              </a:lnSpc>
+              <a:spcBef>
+                <a:spcPts val="1000"/>
+              </a:spcBef>
+              <a:buFont typeface="Arial" panose="020B0604020202020204" pitchFamily="34" charset="0"/>
+              <a:buChar char="•"/>
+              <a:defRPr sz="2800" kern="1200">
+                <a:solidFill>
+                  <a:schemeClr val="tx1"/>
+                </a:solidFill>
+                <a:latin typeface="+mn-lt"/>
+                <a:ea typeface="+mn-ea"/>
+                <a:cs typeface="+mn-cs"/>
+              </a:defRPr>
+            </a:lvl1pPr>
+            <a:lvl2pPr marL="685800" indent="-228600" algn="l" defTabSz="914400" rtl="0" eaLnBrk="1" latinLnBrk="0" hangingPunct="1">
+              <a:lnSpc>
+                <a:spcPct val="90000"/>
+              </a:lnSpc>
+              <a:spcBef>
+                <a:spcPts val="500"/>
+              </a:spcBef>
+              <a:buFont typeface="Arial" panose="020B0604020202020204" pitchFamily="34" charset="0"/>
+              <a:buChar char="•"/>
+              <a:defRPr sz="2400" kern="1200">
+                <a:solidFill>
+                  <a:schemeClr val="tx1"/>
+                </a:solidFill>
+                <a:latin typeface="+mn-lt"/>
+                <a:ea typeface="+mn-ea"/>
+                <a:cs typeface="+mn-cs"/>
+              </a:defRPr>
+            </a:lvl2pPr>
+            <a:lvl3pPr marL="1143000" indent="-228600" algn="l" defTabSz="914400" rtl="0" eaLnBrk="1" latinLnBrk="0" hangingPunct="1">
+              <a:lnSpc>
+                <a:spcPct val="90000"/>
+              </a:lnSpc>
+              <a:spcBef>
+                <a:spcPts val="500"/>
+              </a:spcBef>
+              <a:buFont typeface="Arial" panose="020B0604020202020204" pitchFamily="34" charset="0"/>
+              <a:buChar char="•"/>
+              <a:defRPr sz="2000" kern="1200">
+                <a:solidFill>
+                  <a:schemeClr val="tx1"/>
+                </a:solidFill>
+                <a:latin typeface="+mn-lt"/>
+                <a:ea typeface="+mn-ea"/>
+                <a:cs typeface="+mn-cs"/>
+              </a:defRPr>
+            </a:lvl3pPr>
+            <a:lvl4pPr marL="1600200" indent="-228600" algn="l" defTabSz="914400" rtl="0" eaLnBrk="1" latinLnBrk="0" hangingPunct="1">
+              <a:lnSpc>
+                <a:spcPct val="90000"/>
+              </a:lnSpc>
+              <a:spcBef>
+                <a:spcPts val="500"/>
+              </a:spcBef>
+              <a:buFont typeface="Arial" panose="020B0604020202020204" pitchFamily="34" charset="0"/>
+              <a:buChar char="•"/>
+              <a:defRPr sz="1800" kern="1200">
+                <a:solidFill>
+                  <a:schemeClr val="tx1"/>
+                </a:solidFill>
+                <a:latin typeface="+mn-lt"/>
+                <a:ea typeface="+mn-ea"/>
+                <a:cs typeface="+mn-cs"/>
+              </a:defRPr>
+            </a:lvl4pPr>
+            <a:lvl5pPr marL="2057400" indent="-228600" algn="l" defTabSz="914400" rtl="0" eaLnBrk="1" latinLnBrk="0" hangingPunct="1">
+              <a:lnSpc>
+                <a:spcPct val="90000"/>
+              </a:lnSpc>
+              <a:spcBef>
+                <a:spcPts val="500"/>
+              </a:spcBef>
+              <a:buFont typeface="Arial" panose="020B0604020202020204" pitchFamily="34" charset="0"/>
+              <a:buChar char="•"/>
+              <a:defRPr sz="1800" kern="1200">
+                <a:solidFill>
+                  <a:schemeClr val="tx1"/>
+                </a:solidFill>
+                <a:latin typeface="+mn-lt"/>
+                <a:ea typeface="+mn-ea"/>
+                <a:cs typeface="+mn-cs"/>
+              </a:defRPr>
+            </a:lvl5pPr>
+            <a:lvl6pPr marL="2514600" indent="-228600" algn="l" defTabSz="914400" rtl="0" eaLnBrk="1" latinLnBrk="0" hangingPunct="1">
+              <a:lnSpc>
+                <a:spcPct val="90000"/>
+              </a:lnSpc>
+              <a:spcBef>
+                <a:spcPts val="500"/>
+              </a:spcBef>
+              <a:buFont typeface="Arial" panose="020B0604020202020204" pitchFamily="34" charset="0"/>
+              <a:buChar char="•"/>
+              <a:defRPr sz="1800" kern="1200">
+                <a:solidFill>
+                  <a:schemeClr val="tx1"/>
+                </a:solidFill>
+                <a:latin typeface="+mn-lt"/>
+                <a:ea typeface="+mn-ea"/>
+                <a:cs typeface="+mn-cs"/>
+              </a:defRPr>
+            </a:lvl6pPr>
+            <a:lvl7pPr marL="2971800" indent="-228600" algn="l" defTabSz="914400" rtl="0" eaLnBrk="1" latinLnBrk="0" hangingPunct="1">
+              <a:lnSpc>
+                <a:spcPct val="90000"/>
+              </a:lnSpc>
+              <a:spcBef>
+                <a:spcPts val="500"/>
+              </a:spcBef>
+              <a:buFont typeface="Arial" panose="020B0604020202020204" pitchFamily="34" charset="0"/>
+              <a:buChar char="•"/>
+              <a:defRPr sz="1800" kern="1200">
+                <a:solidFill>
+                  <a:schemeClr val="tx1"/>
+                </a:solidFill>
+                <a:latin typeface="+mn-lt"/>
+                <a:ea typeface="+mn-ea"/>
+                <a:cs typeface="+mn-cs"/>
+              </a:defRPr>
+            </a:lvl7pPr>
+            <a:lvl8pPr marL="3429000" indent="-228600" algn="l" defTabSz="914400" rtl="0" eaLnBrk="1" latinLnBrk="0" hangingPunct="1">
+              <a:lnSpc>
+                <a:spcPct val="90000"/>
+              </a:lnSpc>
+              <a:spcBef>
+                <a:spcPts val="500"/>
+              </a:spcBef>
+              <a:buFont typeface="Arial" panose="020B0604020202020204" pitchFamily="34" charset="0"/>
+              <a:buChar char="•"/>
+              <a:defRPr sz="1800" kern="1200">
+                <a:solidFill>
+                  <a:schemeClr val="tx1"/>
+                </a:solidFill>
+                <a:latin typeface="+mn-lt"/>
+                <a:ea typeface="+mn-ea"/>
+                <a:cs typeface="+mn-cs"/>
+              </a:defRPr>
+            </a:lvl8pPr>
+            <a:lvl9pPr marL="3886200" indent="-228600" algn="l" defTabSz="914400" rtl="0" eaLnBrk="1" latinLnBrk="0" hangingPunct="1">
+              <a:lnSpc>
+                <a:spcPct val="90000"/>
+              </a:lnSpc>
+              <a:spcBef>
+                <a:spcPts val="500"/>
+              </a:spcBef>
+              <a:buFont typeface="Arial" panose="020B0604020202020204" pitchFamily="34" charset="0"/>
+              <a:buChar char="•"/>
+              <a:defRPr sz="1800" kern="1200">
+                <a:solidFill>
+                  <a:schemeClr val="tx1"/>
+                </a:solidFill>
+                <a:latin typeface="+mn-lt"/>
+                <a:ea typeface="+mn-ea"/>
+                <a:cs typeface="+mn-cs"/>
+              </a:defRPr>
+            </a:lvl9pPr>
+          </a:lstStyle>
+          <a:p>
+            <a:pPr marL="0" indent="0" algn="just">
+              <a:lnSpc>
+                <a:spcPct val="100000"/>
+              </a:lnSpc>
+              <a:buNone/>
+            </a:pPr>
+            <a:endParaRPr lang="ru-RU" dirty="0">
+              <a:latin typeface="Arial" panose="020B0604020202020204" pitchFamily="34" charset="0"/>
+              <a:cs typeface="Arial" panose="020B0604020202020204" pitchFamily="34" charset="0"/>
+            </a:endParaRPr>
+          </a:p>
+        </p:txBody>
+      </p:sp>
+      <p:sp>
+        <p:nvSpPr>
+          <p:cNvPr id="8" name="TextBox 7">
+            <a:extLst>
+              <a:ext uri="{FF2B5EF4-FFF2-40B4-BE49-F238E27FC236}">
+                <a16:creationId xmlns:a16="http://schemas.microsoft.com/office/drawing/2014/main" id="{32AC7523-4446-4747-AF59-1594B1395EEF}"/>
+              </a:ext>
+            </a:extLst>
+          </p:cNvPr>
+          <p:cNvSpPr txBox="1"/>
+          <p:nvPr/>
+        </p:nvSpPr>
+        <p:spPr>
+          <a:xfrm>
+            <a:off x="838199" y="1304543"/>
+            <a:ext cx="10515600" cy="3212161"/>
+          </a:xfrm>
+          <a:prstGeom prst="rect">
+            <a:avLst/>
+          </a:prstGeom>
+          <a:noFill/>
+        </p:spPr>
+        <p:txBody>
+          <a:bodyPr wrap="square">
+            <a:spAutoFit/>
+          </a:bodyPr>
           <a:lstStyle/>
           <a:p>
-            <a:endParaRPr lang="ru-RU"/>
-          </a:p>
-        </p:txBody>
-      </p:sp>
-      <p:sp>
-        <p:nvSpPr>
-          <p:cNvPr id="8" name="Объект 7"/>
-          <p:cNvSpPr>
-            <a:spLocks noGrp="1"/>
-          </p:cNvSpPr>
-          <p:nvPr>
-            <p:ph idx="10"/>
-          </p:nvPr>
-        </p:nvSpPr>
-        <p:spPr/>
-        <p:txBody>
-          <a:bodyPr/>
-          <a:lstStyle/>
-          <a:p>
-            <a:endParaRPr lang="ru-RU"/>
-          </a:p>
-        </p:txBody>
-      </p:sp>
-      <p:sp>
-        <p:nvSpPr>
-          <p:cNvPr id="9" name="Текст 8"/>
-          <p:cNvSpPr>
-            <a:spLocks noGrp="1"/>
-          </p:cNvSpPr>
-          <p:nvPr>
-            <p:ph type="body" sz="quarter" idx="11"/>
-          </p:nvPr>
-        </p:nvSpPr>
-        <p:spPr/>
-        <p:txBody>
-          <a:bodyPr/>
-          <a:lstStyle/>
-          <a:p>
-            <a:endParaRPr lang="ru-RU"/>
+            <a:pPr>
+              <a:lnSpc>
+                <a:spcPct val="90000"/>
+              </a:lnSpc>
+              <a:spcBef>
+                <a:spcPts val="1000"/>
+              </a:spcBef>
+            </a:pPr>
+            <a:r>
+              <a:rPr lang="ru-RU" sz="2400" dirty="0">
+                <a:solidFill>
+                  <a:srgbClr val="444391"/>
+                </a:solidFill>
+                <a:latin typeface="Arial" panose="020B0604020202020204" pitchFamily="34" charset="0"/>
+                <a:cs typeface="Arial" panose="020B0604020202020204" pitchFamily="34" charset="0"/>
+              </a:rPr>
+              <a:t>Современный бизнес имеет быстрое развитие рынка и большую конкуренцию, что требует от компаний постоянной адаптации к меняющимся рыночным условиям. Веб-сайты становятся хорошим инструментом для продвижения своих товаров и услуг, что позволяет оптимизировать свою торговлю и увеличивать доход.</a:t>
+            </a:r>
+          </a:p>
+          <a:p>
+            <a:pPr>
+              <a:lnSpc>
+                <a:spcPct val="90000"/>
+              </a:lnSpc>
+              <a:spcBef>
+                <a:spcPts val="1000"/>
+              </a:spcBef>
+            </a:pPr>
+            <a:r>
+              <a:rPr lang="ru-RU" sz="2400" dirty="0">
+                <a:solidFill>
+                  <a:srgbClr val="444391"/>
+                </a:solidFill>
+                <a:latin typeface="Arial" panose="020B0604020202020204" pitchFamily="34" charset="0"/>
+                <a:cs typeface="Arial" panose="020B0604020202020204" pitchFamily="34" charset="0"/>
+              </a:rPr>
+              <a:t>Огромное количество товаров и услуг приобретается именно в онлайн-режиме, что позволяет многократно увеличить количество клиентов и сделать торговлю эффективнее не только для предпринимателя, но и болей удобной для клиента.</a:t>
+            </a:r>
+            <a:r>
+              <a:rPr lang="en-RU" sz="2400" dirty="0">
+                <a:solidFill>
+                  <a:srgbClr val="444391"/>
+                </a:solidFill>
+                <a:latin typeface="Arial" panose="020B0604020202020204" pitchFamily="34" charset="0"/>
+                <a:cs typeface="Arial" panose="020B0604020202020204" pitchFamily="34" charset="0"/>
+              </a:rPr>
+              <a:t> </a:t>
+            </a:r>
           </a:p>
         </p:txBody>
       </p:sp>
     </p:spTree>
     <p:extLst>
       <p:ext uri="{BB962C8B-B14F-4D97-AF65-F5344CB8AC3E}">
-        <p14:creationId xmlns:p14="http://schemas.microsoft.com/office/powerpoint/2010/main" val="1325406375"/>
+        <p14:creationId xmlns:p14="http://schemas.microsoft.com/office/powerpoint/2010/main" val="2847249994"/>
       </p:ext>
     </p:extLst>
   </p:cSld>
@@ -4664,7 +5673,13 @@
       </p:grpSpPr>
       <p:sp>
         <p:nvSpPr>
-          <p:cNvPr id="6" name="Заголовок 5"/>
+          <p:cNvPr id="2" name="Title 1">
+            <a:extLst>
+              <a:ext uri="{FF2B5EF4-FFF2-40B4-BE49-F238E27FC236}">
+                <a16:creationId xmlns:a16="http://schemas.microsoft.com/office/drawing/2014/main" id="{7BAB296C-03EA-AF4B-9A27-407FF09EB266}"/>
+              </a:ext>
+            </a:extLst>
+          </p:cNvPr>
           <p:cNvSpPr>
             <a:spLocks noGrp="1"/>
           </p:cNvSpPr>
@@ -4677,13 +5692,23 @@
           <a:bodyPr/>
           <a:lstStyle/>
           <a:p>
-            <a:endParaRPr lang="ru-RU"/>
-          </a:p>
-        </p:txBody>
-      </p:sp>
-      <p:sp>
-        <p:nvSpPr>
-          <p:cNvPr id="7" name="Объект 6"/>
+            <a:r>
+              <a:rPr lang="ru-RU" dirty="0"/>
+              <a:t>Используемый стек технологий </a:t>
+            </a:r>
+            <a:endParaRPr lang="en-RU" dirty="0"/>
+          </a:p>
+        </p:txBody>
+      </p:sp>
+      <p:sp>
+        <p:nvSpPr>
+          <p:cNvPr id="3" name="Content Placeholder 2">
+            <a:extLst>
+              <a:ext uri="{FF2B5EF4-FFF2-40B4-BE49-F238E27FC236}">
+                <a16:creationId xmlns:a16="http://schemas.microsoft.com/office/drawing/2014/main" id="{11BA13FD-A359-F145-A17E-6DAAD3E74E84}"/>
+              </a:ext>
+            </a:extLst>
+          </p:cNvPr>
           <p:cNvSpPr>
             <a:spLocks noGrp="1"/>
           </p:cNvSpPr>
@@ -4691,19 +5716,510 @@
             <p:ph idx="1"/>
           </p:nvPr>
         </p:nvSpPr>
-        <p:spPr/>
+        <p:spPr>
+          <a:xfrm>
+            <a:off x="874415" y="1610215"/>
+            <a:ext cx="2157248" cy="2631304"/>
+          </a:xfrm>
+        </p:spPr>
         <p:txBody>
           <a:bodyPr/>
           <a:lstStyle/>
           <a:p>
-            <a:endParaRPr lang="ru-RU"/>
+            <a:pPr marL="342900" indent="-342900">
+              <a:buFont typeface="+mj-lt"/>
+              <a:buAutoNum type="arabicPeriod"/>
+            </a:pPr>
+            <a:r>
+              <a:rPr lang="en-US" dirty="0"/>
+              <a:t>Figma</a:t>
+            </a:r>
+          </a:p>
+          <a:p>
+            <a:pPr marL="342900" indent="-342900">
+              <a:buFont typeface="+mj-lt"/>
+              <a:buAutoNum type="arabicPeriod"/>
+            </a:pPr>
+            <a:r>
+              <a:rPr lang="en-US" dirty="0"/>
+              <a:t>Visual Studio Code</a:t>
+            </a:r>
+          </a:p>
+          <a:p>
+            <a:pPr marL="342900" indent="-342900">
+              <a:buFont typeface="+mj-lt"/>
+              <a:buAutoNum type="arabicPeriod"/>
+            </a:pPr>
+            <a:r>
+              <a:rPr lang="en-RU" dirty="0"/>
+              <a:t>Python</a:t>
+            </a:r>
+          </a:p>
+          <a:p>
+            <a:pPr marL="342900" indent="-342900">
+              <a:buFont typeface="+mj-lt"/>
+              <a:buAutoNum type="arabicPeriod"/>
+            </a:pPr>
+            <a:r>
+              <a:rPr lang="en-RU" dirty="0"/>
+              <a:t>Flask</a:t>
+            </a:r>
+          </a:p>
+          <a:p>
+            <a:pPr marL="342900" indent="-342900">
+              <a:buFont typeface="+mj-lt"/>
+              <a:buAutoNum type="arabicPeriod"/>
+            </a:pPr>
+            <a:r>
+              <a:rPr lang="en-RU" dirty="0"/>
+              <a:t>JavaScript</a:t>
+            </a:r>
+          </a:p>
+          <a:p>
+            <a:pPr marL="342900" indent="-342900">
+              <a:buFont typeface="+mj-lt"/>
+              <a:buAutoNum type="arabicPeriod"/>
+            </a:pPr>
+            <a:r>
+              <a:rPr lang="en-RU" dirty="0"/>
+              <a:t>SQL Server</a:t>
+            </a:r>
+          </a:p>
+          <a:p>
+            <a:endParaRPr lang="en-RU" dirty="0"/>
+          </a:p>
+        </p:txBody>
+      </p:sp>
+      <p:pic>
+        <p:nvPicPr>
+          <p:cNvPr id="5" name="Picture 4">
+            <a:extLst>
+              <a:ext uri="{FF2B5EF4-FFF2-40B4-BE49-F238E27FC236}">
+                <a16:creationId xmlns:a16="http://schemas.microsoft.com/office/drawing/2014/main" id="{19BB398E-4003-1D43-BAB1-658B0E11C835}"/>
+              </a:ext>
+            </a:extLst>
+          </p:cNvPr>
+          <p:cNvPicPr>
+            <a:picLocks noChangeAspect="1"/>
+          </p:cNvPicPr>
+          <p:nvPr/>
+        </p:nvPicPr>
+        <p:blipFill>
+          <a:blip r:embed="rId2">
+            <a:extLst>
+              <a:ext uri="{28A0092B-C50C-407E-A947-70E740481C1C}">
+                <a14:useLocalDpi xmlns:a14="http://schemas.microsoft.com/office/drawing/2010/main" val="0"/>
+              </a:ext>
+            </a:extLst>
+          </a:blip>
+          <a:stretch>
+            <a:fillRect/>
+          </a:stretch>
+        </p:blipFill>
+        <p:spPr>
+          <a:xfrm>
+            <a:off x="6207097" y="1610711"/>
+            <a:ext cx="609600" cy="609600"/>
+          </a:xfrm>
+          <a:prstGeom prst="rect">
+            <a:avLst/>
+          </a:prstGeom>
+        </p:spPr>
+      </p:pic>
+      <p:pic>
+        <p:nvPicPr>
+          <p:cNvPr id="7" name="Picture 6">
+            <a:extLst>
+              <a:ext uri="{FF2B5EF4-FFF2-40B4-BE49-F238E27FC236}">
+                <a16:creationId xmlns:a16="http://schemas.microsoft.com/office/drawing/2014/main" id="{42273910-09F9-4D47-930E-6EC3144BA572}"/>
+              </a:ext>
+            </a:extLst>
+          </p:cNvPr>
+          <p:cNvPicPr>
+            <a:picLocks noChangeAspect="1"/>
+          </p:cNvPicPr>
+          <p:nvPr/>
+        </p:nvPicPr>
+        <p:blipFill>
+          <a:blip r:embed="rId3">
+            <a:extLst>
+              <a:ext uri="{28A0092B-C50C-407E-A947-70E740481C1C}">
+                <a14:useLocalDpi xmlns:a14="http://schemas.microsoft.com/office/drawing/2010/main" val="0"/>
+              </a:ext>
+            </a:extLst>
+          </a:blip>
+          <a:stretch>
+            <a:fillRect/>
+          </a:stretch>
+        </p:blipFill>
+        <p:spPr>
+          <a:xfrm>
+            <a:off x="5429333" y="3597760"/>
+            <a:ext cx="609600" cy="609600"/>
+          </a:xfrm>
+          <a:prstGeom prst="rect">
+            <a:avLst/>
+          </a:prstGeom>
+        </p:spPr>
+      </p:pic>
+      <p:pic>
+        <p:nvPicPr>
+          <p:cNvPr id="9" name="Picture 8">
+            <a:extLst>
+              <a:ext uri="{FF2B5EF4-FFF2-40B4-BE49-F238E27FC236}">
+                <a16:creationId xmlns:a16="http://schemas.microsoft.com/office/drawing/2014/main" id="{D4B5804C-90AE-774D-B19C-E99E296DA22D}"/>
+              </a:ext>
+            </a:extLst>
+          </p:cNvPr>
+          <p:cNvPicPr>
+            <a:picLocks noChangeAspect="1"/>
+          </p:cNvPicPr>
+          <p:nvPr/>
+        </p:nvPicPr>
+        <p:blipFill>
+          <a:blip r:embed="rId4">
+            <a:extLst>
+              <a:ext uri="{28A0092B-C50C-407E-A947-70E740481C1C}">
+                <a14:useLocalDpi xmlns:a14="http://schemas.microsoft.com/office/drawing/2010/main" val="0"/>
+              </a:ext>
+            </a:extLst>
+          </a:blip>
+          <a:stretch>
+            <a:fillRect/>
+          </a:stretch>
+        </p:blipFill>
+        <p:spPr>
+          <a:xfrm>
+            <a:off x="7594461" y="3597760"/>
+            <a:ext cx="609600" cy="609600"/>
+          </a:xfrm>
+          <a:prstGeom prst="rect">
+            <a:avLst/>
+          </a:prstGeom>
+        </p:spPr>
+      </p:pic>
+      <p:pic>
+        <p:nvPicPr>
+          <p:cNvPr id="11" name="Picture 10">
+            <a:extLst>
+              <a:ext uri="{FF2B5EF4-FFF2-40B4-BE49-F238E27FC236}">
+                <a16:creationId xmlns:a16="http://schemas.microsoft.com/office/drawing/2014/main" id="{5821DA7F-70D8-0D46-B172-DD451549EEFE}"/>
+              </a:ext>
+            </a:extLst>
+          </p:cNvPr>
+          <p:cNvPicPr>
+            <a:picLocks noChangeAspect="1"/>
+          </p:cNvPicPr>
+          <p:nvPr/>
+        </p:nvPicPr>
+        <p:blipFill>
+          <a:blip r:embed="rId5">
+            <a:extLst>
+              <a:ext uri="{28A0092B-C50C-407E-A947-70E740481C1C}">
+                <a14:useLocalDpi xmlns:a14="http://schemas.microsoft.com/office/drawing/2010/main" val="0"/>
+              </a:ext>
+            </a:extLst>
+          </a:blip>
+          <a:stretch>
+            <a:fillRect/>
+          </a:stretch>
+        </p:blipFill>
+        <p:spPr>
+          <a:xfrm>
+            <a:off x="8677025" y="3597760"/>
+            <a:ext cx="609600" cy="609600"/>
+          </a:xfrm>
+          <a:prstGeom prst="rect">
+            <a:avLst/>
+          </a:prstGeom>
+        </p:spPr>
+      </p:pic>
+      <p:pic>
+        <p:nvPicPr>
+          <p:cNvPr id="13" name="Picture 12">
+            <a:extLst>
+              <a:ext uri="{FF2B5EF4-FFF2-40B4-BE49-F238E27FC236}">
+                <a16:creationId xmlns:a16="http://schemas.microsoft.com/office/drawing/2014/main" id="{C966DDF0-A097-444B-AA23-E8488BFD80EB}"/>
+              </a:ext>
+            </a:extLst>
+          </p:cNvPr>
+          <p:cNvPicPr>
+            <a:picLocks noChangeAspect="1"/>
+          </p:cNvPicPr>
+          <p:nvPr/>
+        </p:nvPicPr>
+        <p:blipFill>
+          <a:blip r:embed="rId6">
+            <a:extLst>
+              <a:ext uri="{28A0092B-C50C-407E-A947-70E740481C1C}">
+                <a14:useLocalDpi xmlns:a14="http://schemas.microsoft.com/office/drawing/2010/main" val="0"/>
+              </a:ext>
+            </a:extLst>
+          </a:blip>
+          <a:stretch>
+            <a:fillRect/>
+          </a:stretch>
+        </p:blipFill>
+        <p:spPr>
+          <a:xfrm>
+            <a:off x="4346769" y="3597760"/>
+            <a:ext cx="609600" cy="609600"/>
+          </a:xfrm>
+          <a:prstGeom prst="rect">
+            <a:avLst/>
+          </a:prstGeom>
+        </p:spPr>
+      </p:pic>
+      <p:pic>
+        <p:nvPicPr>
+          <p:cNvPr id="15" name="Picture 14">
+            <a:extLst>
+              <a:ext uri="{FF2B5EF4-FFF2-40B4-BE49-F238E27FC236}">
+                <a16:creationId xmlns:a16="http://schemas.microsoft.com/office/drawing/2014/main" id="{484D995A-3513-8B4C-93C4-DE4D833518E8}"/>
+              </a:ext>
+            </a:extLst>
+          </p:cNvPr>
+          <p:cNvPicPr>
+            <a:picLocks noChangeAspect="1"/>
+          </p:cNvPicPr>
+          <p:nvPr/>
+        </p:nvPicPr>
+        <p:blipFill>
+          <a:blip r:embed="rId7">
+            <a:extLst>
+              <a:ext uri="{28A0092B-C50C-407E-A947-70E740481C1C}">
+                <a14:useLocalDpi xmlns:a14="http://schemas.microsoft.com/office/drawing/2010/main" val="0"/>
+              </a:ext>
+            </a:extLst>
+          </a:blip>
+          <a:stretch>
+            <a:fillRect/>
+          </a:stretch>
+        </p:blipFill>
+        <p:spPr>
+          <a:xfrm>
+            <a:off x="6511897" y="3603015"/>
+            <a:ext cx="609600" cy="609600"/>
+          </a:xfrm>
+          <a:prstGeom prst="rect">
+            <a:avLst/>
+          </a:prstGeom>
+        </p:spPr>
+      </p:pic>
+      <p:sp>
+        <p:nvSpPr>
+          <p:cNvPr id="19" name="Left Brace 18">
+            <a:extLst>
+              <a:ext uri="{FF2B5EF4-FFF2-40B4-BE49-F238E27FC236}">
+                <a16:creationId xmlns:a16="http://schemas.microsoft.com/office/drawing/2014/main" id="{DE58F06D-47BD-054A-979D-4FBBBF57B17F}"/>
+              </a:ext>
+            </a:extLst>
+          </p:cNvPr>
+          <p:cNvSpPr/>
+          <p:nvPr/>
+        </p:nvSpPr>
+        <p:spPr>
+          <a:xfrm rot="16200000">
+            <a:off x="6590725" y="2045431"/>
+            <a:ext cx="451945" cy="4939856"/>
+          </a:xfrm>
+          <a:prstGeom prst="leftBrace">
+            <a:avLst/>
+          </a:prstGeom>
+          <a:ln w="19050">
+            <a:solidFill>
+              <a:srgbClr val="444391"/>
+            </a:solidFill>
+          </a:ln>
+        </p:spPr>
+        <p:style>
+          <a:lnRef idx="1">
+            <a:schemeClr val="accent1"/>
+          </a:lnRef>
+          <a:fillRef idx="0">
+            <a:schemeClr val="accent1"/>
+          </a:fillRef>
+          <a:effectRef idx="0">
+            <a:schemeClr val="accent1"/>
+          </a:effectRef>
+          <a:fontRef idx="minor">
+            <a:schemeClr val="tx1"/>
+          </a:fontRef>
+        </p:style>
+        <p:txBody>
+          <a:bodyPr rtlCol="0" anchor="ctr"/>
+          <a:lstStyle/>
+          <a:p>
+            <a:pPr algn="ctr"/>
+            <a:endParaRPr lang="en-RU"/>
+          </a:p>
+        </p:txBody>
+      </p:sp>
+      <p:sp>
+        <p:nvSpPr>
+          <p:cNvPr id="20" name="Left Brace 19">
+            <a:extLst>
+              <a:ext uri="{FF2B5EF4-FFF2-40B4-BE49-F238E27FC236}">
+                <a16:creationId xmlns:a16="http://schemas.microsoft.com/office/drawing/2014/main" id="{86DA1FD2-A374-4745-84AB-CE03C3067F7B}"/>
+              </a:ext>
+            </a:extLst>
+          </p:cNvPr>
+          <p:cNvSpPr/>
+          <p:nvPr/>
+        </p:nvSpPr>
+        <p:spPr>
+          <a:xfrm rot="16200000">
+            <a:off x="6282926" y="2020131"/>
+            <a:ext cx="451945" cy="918914"/>
+          </a:xfrm>
+          <a:prstGeom prst="leftBrace">
+            <a:avLst/>
+          </a:prstGeom>
+          <a:ln w="19050">
+            <a:solidFill>
+              <a:srgbClr val="444391"/>
+            </a:solidFill>
+          </a:ln>
+        </p:spPr>
+        <p:style>
+          <a:lnRef idx="1">
+            <a:schemeClr val="accent1"/>
+          </a:lnRef>
+          <a:fillRef idx="0">
+            <a:schemeClr val="accent1"/>
+          </a:fillRef>
+          <a:effectRef idx="0">
+            <a:schemeClr val="accent1"/>
+          </a:effectRef>
+          <a:fontRef idx="minor">
+            <a:schemeClr val="tx1"/>
+          </a:fontRef>
+        </p:style>
+        <p:txBody>
+          <a:bodyPr rtlCol="0" anchor="ctr"/>
+          <a:lstStyle/>
+          <a:p>
+            <a:pPr algn="ctr"/>
+            <a:endParaRPr lang="en-RU"/>
+          </a:p>
+        </p:txBody>
+      </p:sp>
+      <p:sp>
+        <p:nvSpPr>
+          <p:cNvPr id="21" name="TextBox 20">
+            <a:extLst>
+              <a:ext uri="{FF2B5EF4-FFF2-40B4-BE49-F238E27FC236}">
+                <a16:creationId xmlns:a16="http://schemas.microsoft.com/office/drawing/2014/main" id="{7BE08B26-FA6A-AD4B-A4D0-3BE5451EAED5}"/>
+              </a:ext>
+            </a:extLst>
+          </p:cNvPr>
+          <p:cNvSpPr txBox="1"/>
+          <p:nvPr/>
+        </p:nvSpPr>
+        <p:spPr>
+          <a:xfrm>
+            <a:off x="6109933" y="4818103"/>
+            <a:ext cx="1413528" cy="341632"/>
+          </a:xfrm>
+          <a:prstGeom prst="rect">
+            <a:avLst/>
+          </a:prstGeom>
+          <a:noFill/>
+        </p:spPr>
+        <p:txBody>
+          <a:bodyPr wrap="none" rtlCol="0">
+            <a:spAutoFit/>
+          </a:bodyPr>
+          <a:lstStyle/>
+          <a:p>
+            <a:pPr>
+              <a:lnSpc>
+                <a:spcPct val="90000"/>
+              </a:lnSpc>
+              <a:spcBef>
+                <a:spcPts val="1000"/>
+              </a:spcBef>
+            </a:pPr>
+            <a:r>
+              <a:rPr lang="ru-RU" dirty="0">
+                <a:solidFill>
+                  <a:srgbClr val="444391"/>
+                </a:solidFill>
+                <a:latin typeface="Arial" panose="020B0604020202020204" pitchFamily="34" charset="0"/>
+                <a:cs typeface="Arial" panose="020B0604020202020204" pitchFamily="34" charset="0"/>
+              </a:rPr>
+              <a:t>Разработка</a:t>
+            </a:r>
+            <a:endParaRPr lang="en-RU" dirty="0">
+              <a:solidFill>
+                <a:srgbClr val="444391"/>
+              </a:solidFill>
+              <a:latin typeface="Arial" panose="020B0604020202020204" pitchFamily="34" charset="0"/>
+              <a:cs typeface="Arial" panose="020B0604020202020204" pitchFamily="34" charset="0"/>
+            </a:endParaRPr>
+          </a:p>
+        </p:txBody>
+      </p:sp>
+      <p:sp>
+        <p:nvSpPr>
+          <p:cNvPr id="22" name="TextBox 21">
+            <a:extLst>
+              <a:ext uri="{FF2B5EF4-FFF2-40B4-BE49-F238E27FC236}">
+                <a16:creationId xmlns:a16="http://schemas.microsoft.com/office/drawing/2014/main" id="{7B515E5F-E72D-BA40-A5D8-1C0919E3388D}"/>
+              </a:ext>
+            </a:extLst>
+          </p:cNvPr>
+          <p:cNvSpPr txBox="1"/>
+          <p:nvPr/>
+        </p:nvSpPr>
+        <p:spPr>
+          <a:xfrm>
+            <a:off x="5521939" y="2727175"/>
+            <a:ext cx="1963999" cy="341632"/>
+          </a:xfrm>
+          <a:prstGeom prst="rect">
+            <a:avLst/>
+          </a:prstGeom>
+          <a:noFill/>
+        </p:spPr>
+        <p:txBody>
+          <a:bodyPr wrap="none" rtlCol="0">
+            <a:spAutoFit/>
+          </a:bodyPr>
+          <a:lstStyle/>
+          <a:p>
+            <a:pPr>
+              <a:lnSpc>
+                <a:spcPct val="90000"/>
+              </a:lnSpc>
+              <a:spcBef>
+                <a:spcPts val="1000"/>
+              </a:spcBef>
+            </a:pPr>
+            <a:r>
+              <a:rPr lang="ru-RU" dirty="0">
+                <a:solidFill>
+                  <a:srgbClr val="444391"/>
+                </a:solidFill>
+                <a:latin typeface="Arial" panose="020B0604020202020204" pitchFamily="34" charset="0"/>
+                <a:cs typeface="Arial" panose="020B0604020202020204" pitchFamily="34" charset="0"/>
+              </a:rPr>
+              <a:t>Проектирование</a:t>
+            </a:r>
+            <a:endParaRPr lang="en-RU" dirty="0">
+              <a:solidFill>
+                <a:srgbClr val="444391"/>
+              </a:solidFill>
+              <a:latin typeface="Arial" panose="020B0604020202020204" pitchFamily="34" charset="0"/>
+              <a:cs typeface="Arial" panose="020B0604020202020204" pitchFamily="34" charset="0"/>
+            </a:endParaRPr>
           </a:p>
         </p:txBody>
       </p:sp>
     </p:spTree>
     <p:extLst>
       <p:ext uri="{BB962C8B-B14F-4D97-AF65-F5344CB8AC3E}">
-        <p14:creationId xmlns:p14="http://schemas.microsoft.com/office/powerpoint/2010/main" val="539949152"/>
+        <p14:creationId xmlns:p14="http://schemas.microsoft.com/office/powerpoint/2010/main" val="320965541"/>
       </p:ext>
     </p:extLst>
   </p:cSld>
@@ -4732,7 +6248,13 @@
       </p:grpSpPr>
       <p:sp>
         <p:nvSpPr>
-          <p:cNvPr id="4" name="Заголовок 3"/>
+          <p:cNvPr id="2" name="Title 1">
+            <a:extLst>
+              <a:ext uri="{FF2B5EF4-FFF2-40B4-BE49-F238E27FC236}">
+                <a16:creationId xmlns:a16="http://schemas.microsoft.com/office/drawing/2014/main" id="{A8AF7CE4-0B3B-6A4B-929D-34C103A8E7BE}"/>
+              </a:ext>
+            </a:extLst>
+          </p:cNvPr>
           <p:cNvSpPr>
             <a:spLocks noGrp="1"/>
           </p:cNvSpPr>
@@ -4745,52 +6267,57 @@
           <a:bodyPr/>
           <a:lstStyle/>
           <a:p>
-            <a:endParaRPr lang="ru-RU"/>
-          </a:p>
-        </p:txBody>
-      </p:sp>
-      <p:sp>
-        <p:nvSpPr>
-          <p:cNvPr id="6" name="Объект 5"/>
-          <p:cNvSpPr>
-            <a:spLocks noGrp="1"/>
-          </p:cNvSpPr>
-          <p:nvPr>
-            <p:ph idx="10"/>
-          </p:nvPr>
-        </p:nvSpPr>
-        <p:spPr/>
-        <p:txBody>
-          <a:bodyPr/>
-          <a:lstStyle/>
-          <a:p>
-            <a:endParaRPr lang="ru-RU"/>
-          </a:p>
-        </p:txBody>
-      </p:sp>
-      <p:sp>
-        <p:nvSpPr>
-          <p:cNvPr id="5" name="Объект 4"/>
-          <p:cNvSpPr>
-            <a:spLocks noGrp="1"/>
-          </p:cNvSpPr>
+            <a:r>
+              <a:rPr lang="ru-RU" dirty="0"/>
+              <a:t>Интерфейс: Страница каталога товаров</a:t>
+            </a:r>
+            <a:endParaRPr lang="en-RU" dirty="0"/>
+          </a:p>
+        </p:txBody>
+      </p:sp>
+      <p:pic>
+        <p:nvPicPr>
+          <p:cNvPr id="4" name="Content Placeholder 3">
+            <a:extLst>
+              <a:ext uri="{FF2B5EF4-FFF2-40B4-BE49-F238E27FC236}">
+                <a16:creationId xmlns:a16="http://schemas.microsoft.com/office/drawing/2014/main" id="{082E553F-53D6-6940-90E2-C5E4C0F685B1}"/>
+              </a:ext>
+            </a:extLst>
+          </p:cNvPr>
+          <p:cNvPicPr>
+            <a:picLocks noGrp="1" noChangeAspect="1"/>
+          </p:cNvPicPr>
           <p:nvPr>
             <p:ph idx="1"/>
           </p:nvPr>
-        </p:nvSpPr>
-        <p:spPr/>
-        <p:txBody>
-          <a:bodyPr/>
-          <a:lstStyle/>
-          <a:p>
-            <a:endParaRPr lang="ru-RU" dirty="0"/>
-          </a:p>
-        </p:txBody>
-      </p:sp>
+        </p:nvPicPr>
+        <p:blipFill rotWithShape="1">
+          <a:blip r:embed="rId2"/>
+          <a:srcRect l="1019"/>
+          <a:stretch/>
+        </p:blipFill>
+        <p:spPr bwMode="auto">
+          <a:xfrm>
+            <a:off x="839679" y="1331696"/>
+            <a:ext cx="8777045" cy="4989512"/>
+          </a:xfrm>
+          <a:prstGeom prst="rect">
+            <a:avLst/>
+          </a:prstGeom>
+          <a:ln>
+            <a:noFill/>
+          </a:ln>
+          <a:extLst>
+            <a:ext uri="{53640926-AAD7-44D8-BBD7-CCE9431645EC}">
+              <a14:shadowObscured xmlns:a14="http://schemas.microsoft.com/office/drawing/2010/main"/>
+            </a:ext>
+          </a:extLst>
+        </p:spPr>
+      </p:pic>
     </p:spTree>
     <p:extLst>
       <p:ext uri="{BB962C8B-B14F-4D97-AF65-F5344CB8AC3E}">
-        <p14:creationId xmlns:p14="http://schemas.microsoft.com/office/powerpoint/2010/main" val="1845375393"/>
+        <p14:creationId xmlns:p14="http://schemas.microsoft.com/office/powerpoint/2010/main" val="2265070662"/>
       </p:ext>
     </p:extLst>
   </p:cSld>
@@ -4819,7 +6346,13 @@
       </p:grpSpPr>
       <p:sp>
         <p:nvSpPr>
-          <p:cNvPr id="5" name="Заголовок 4"/>
+          <p:cNvPr id="2" name="Title 1">
+            <a:extLst>
+              <a:ext uri="{FF2B5EF4-FFF2-40B4-BE49-F238E27FC236}">
+                <a16:creationId xmlns:a16="http://schemas.microsoft.com/office/drawing/2014/main" id="{A8AF7CE4-0B3B-6A4B-929D-34C103A8E7BE}"/>
+              </a:ext>
+            </a:extLst>
+          </p:cNvPr>
           <p:cNvSpPr>
             <a:spLocks noGrp="1"/>
           </p:cNvSpPr>
@@ -4832,109 +6365,141 @@
           <a:bodyPr/>
           <a:lstStyle/>
           <a:p>
-            <a:endParaRPr lang="ru-RU"/>
-          </a:p>
-        </p:txBody>
-      </p:sp>
-      <p:sp>
-        <p:nvSpPr>
-          <p:cNvPr id="7" name="Объект 6"/>
-          <p:cNvSpPr>
-            <a:spLocks noGrp="1"/>
-          </p:cNvSpPr>
-          <p:nvPr>
-            <p:ph idx="10"/>
-          </p:nvPr>
-        </p:nvSpPr>
-        <p:spPr/>
-        <p:txBody>
-          <a:bodyPr/>
-          <a:lstStyle/>
-          <a:p>
-            <a:endParaRPr lang="ru-RU"/>
-          </a:p>
-        </p:txBody>
-      </p:sp>
-      <p:sp>
-        <p:nvSpPr>
-          <p:cNvPr id="6" name="Объект 5"/>
-          <p:cNvSpPr>
-            <a:spLocks noGrp="1"/>
-          </p:cNvSpPr>
+            <a:r>
+              <a:rPr lang="ru-RU" dirty="0"/>
+              <a:t>Интерфейс: Страница авторизации</a:t>
+            </a:r>
+            <a:endParaRPr lang="en-RU" dirty="0"/>
+          </a:p>
+        </p:txBody>
+      </p:sp>
+      <p:pic>
+        <p:nvPicPr>
+          <p:cNvPr id="6" name="Content Placeholder 5">
+            <a:extLst>
+              <a:ext uri="{FF2B5EF4-FFF2-40B4-BE49-F238E27FC236}">
+                <a16:creationId xmlns:a16="http://schemas.microsoft.com/office/drawing/2014/main" id="{8CB57C89-958A-0340-AFC7-92805596F7F2}"/>
+              </a:ext>
+            </a:extLst>
+          </p:cNvPr>
+          <p:cNvPicPr>
+            <a:picLocks noGrp="1" noChangeAspect="1"/>
+          </p:cNvPicPr>
           <p:nvPr>
             <p:ph idx="1"/>
           </p:nvPr>
-        </p:nvSpPr>
-        <p:spPr/>
-        <p:txBody>
-          <a:bodyPr/>
-          <a:lstStyle/>
-          <a:p>
-            <a:endParaRPr lang="ru-RU"/>
-          </a:p>
-        </p:txBody>
-      </p:sp>
-      <p:sp>
-        <p:nvSpPr>
-          <p:cNvPr id="8" name="Объект 7"/>
-          <p:cNvSpPr>
-            <a:spLocks noGrp="1"/>
-          </p:cNvSpPr>
-          <p:nvPr>
-            <p:ph idx="11"/>
-          </p:nvPr>
-        </p:nvSpPr>
-        <p:spPr/>
-        <p:txBody>
-          <a:bodyPr/>
-          <a:lstStyle/>
-          <a:p>
-            <a:endParaRPr lang="ru-RU"/>
-          </a:p>
-        </p:txBody>
-      </p:sp>
-      <p:sp>
-        <p:nvSpPr>
-          <p:cNvPr id="9" name="Объект 8"/>
-          <p:cNvSpPr>
-            <a:spLocks noGrp="1"/>
-          </p:cNvSpPr>
-          <p:nvPr>
-            <p:ph idx="12"/>
-          </p:nvPr>
-        </p:nvSpPr>
-        <p:spPr/>
-        <p:txBody>
-          <a:bodyPr/>
-          <a:lstStyle/>
-          <a:p>
-            <a:endParaRPr lang="ru-RU"/>
-          </a:p>
-        </p:txBody>
-      </p:sp>
-      <p:sp>
-        <p:nvSpPr>
-          <p:cNvPr id="10" name="Объект 9"/>
-          <p:cNvSpPr>
-            <a:spLocks noGrp="1"/>
-          </p:cNvSpPr>
-          <p:nvPr>
-            <p:ph idx="13"/>
-          </p:nvPr>
-        </p:nvSpPr>
-        <p:spPr/>
-        <p:txBody>
-          <a:bodyPr/>
-          <a:lstStyle/>
-          <a:p>
-            <a:endParaRPr lang="ru-RU"/>
-          </a:p>
-        </p:txBody>
-      </p:sp>
+        </p:nvPicPr>
+        <p:blipFill>
+          <a:blip r:embed="rId2"/>
+          <a:stretch>
+            <a:fillRect/>
+          </a:stretch>
+        </p:blipFill>
+        <p:spPr>
+          <a:xfrm>
+            <a:off x="848880" y="1300163"/>
+            <a:ext cx="8854626" cy="4989512"/>
+          </a:xfrm>
+          <a:prstGeom prst="rect">
+            <a:avLst/>
+          </a:prstGeom>
+        </p:spPr>
+      </p:pic>
     </p:spTree>
     <p:extLst>
       <p:ext uri="{BB962C8B-B14F-4D97-AF65-F5344CB8AC3E}">
-        <p14:creationId xmlns:p14="http://schemas.microsoft.com/office/powerpoint/2010/main" val="3342981827"/>
+        <p14:creationId xmlns:p14="http://schemas.microsoft.com/office/powerpoint/2010/main" val="1987848307"/>
+      </p:ext>
+    </p:extLst>
+  </p:cSld>
+  <p:clrMapOvr>
+    <a:masterClrMapping/>
+  </p:clrMapOvr>
+</p:sld>
+</file>
+
+<file path=ppt/slides/slide9.xml><?xml version="1.0" encoding="utf-8"?>
+<p:sld xmlns:a="http://schemas.openxmlformats.org/drawingml/2006/main" xmlns:r="http://schemas.openxmlformats.org/officeDocument/2006/relationships" xmlns:p="http://schemas.openxmlformats.org/presentationml/2006/main">
+  <p:cSld>
+    <p:spTree>
+      <p:nvGrpSpPr>
+        <p:cNvPr id="1" name=""/>
+        <p:cNvGrpSpPr/>
+        <p:nvPr/>
+      </p:nvGrpSpPr>
+      <p:grpSpPr>
+        <a:xfrm>
+          <a:off x="0" y="0"/>
+          <a:ext cx="0" cy="0"/>
+          <a:chOff x="0" y="0"/>
+          <a:chExt cx="0" cy="0"/>
+        </a:xfrm>
+      </p:grpSpPr>
+      <p:sp>
+        <p:nvSpPr>
+          <p:cNvPr id="2" name="Title 1">
+            <a:extLst>
+              <a:ext uri="{FF2B5EF4-FFF2-40B4-BE49-F238E27FC236}">
+                <a16:creationId xmlns:a16="http://schemas.microsoft.com/office/drawing/2014/main" id="{9D30F931-6B5B-9F45-A9FE-2ECB3F2218A6}"/>
+              </a:ext>
+            </a:extLst>
+          </p:cNvPr>
+          <p:cNvSpPr>
+            <a:spLocks noGrp="1"/>
+          </p:cNvSpPr>
+          <p:nvPr>
+            <p:ph type="title"/>
+          </p:nvPr>
+        </p:nvSpPr>
+        <p:spPr/>
+        <p:txBody>
+          <a:bodyPr/>
+          <a:lstStyle/>
+          <a:p>
+            <a:r>
+              <a:rPr lang="ru-RU" dirty="0"/>
+              <a:t>Интерфейс: Страница профиля пользователя</a:t>
+            </a:r>
+            <a:endParaRPr lang="en-RU" dirty="0"/>
+          </a:p>
+        </p:txBody>
+      </p:sp>
+      <p:pic>
+        <p:nvPicPr>
+          <p:cNvPr id="4" name="Content Placeholder 3">
+            <a:extLst>
+              <a:ext uri="{FF2B5EF4-FFF2-40B4-BE49-F238E27FC236}">
+                <a16:creationId xmlns:a16="http://schemas.microsoft.com/office/drawing/2014/main" id="{FE48E7A8-70DF-E949-8FBF-D2ABFF512AB2}"/>
+              </a:ext>
+            </a:extLst>
+          </p:cNvPr>
+          <p:cNvPicPr>
+            <a:picLocks noGrp="1" noChangeAspect="1"/>
+          </p:cNvPicPr>
+          <p:nvPr>
+            <p:ph idx="1"/>
+          </p:nvPr>
+        </p:nvPicPr>
+        <p:blipFill>
+          <a:blip r:embed="rId2"/>
+          <a:stretch>
+            <a:fillRect/>
+          </a:stretch>
+        </p:blipFill>
+        <p:spPr>
+          <a:xfrm>
+            <a:off x="866303" y="1331695"/>
+            <a:ext cx="8903864" cy="4989512"/>
+          </a:xfrm>
+          <a:prstGeom prst="rect">
+            <a:avLst/>
+          </a:prstGeom>
+        </p:spPr>
+      </p:pic>
+    </p:spTree>
+    <p:extLst>
+      <p:ext uri="{BB962C8B-B14F-4D97-AF65-F5344CB8AC3E}">
+        <p14:creationId xmlns:p14="http://schemas.microsoft.com/office/powerpoint/2010/main" val="1456102631"/>
       </p:ext>
     </p:extLst>
   </p:cSld>
